--- a/Presentation/HTMX.pptx
+++ b/Presentation/HTMX.pptx
@@ -6,7 +6,8 @@
   </p:sldMasterIdLst>
   <p:sldIdLst>
     <p:sldId id="256" r:id="rId2"/>
-    <p:sldId id="257" r:id="rId3"/>
+    <p:sldId id="258" r:id="rId3"/>
+    <p:sldId id="257" r:id="rId4"/>
   </p:sldIdLst>
   <p:sldSz cx="12192000" cy="6858000"/>
   <p:notesSz cx="6858000" cy="9144000"/>
@@ -105,6 +106,11 @@
       </a:defRPr>
     </a:lvl9pPr>
   </p:defaultTextStyle>
+  <p:extLst>
+    <p:ext uri="{EFAFB233-063F-42B5-8137-9DF3F51BA10A}">
+      <p15:sldGuideLst xmlns:p15="http://schemas.microsoft.com/office/powerpoint/2012/main"/>
+    </p:ext>
+  </p:extLst>
 </p:presentation>
 </file>
 
@@ -278,7 +284,7 @@
             <a:fld id="{87DE6118-2437-4B30-8E3C-4D2BE6020583}" type="datetimeFigureOut">
               <a:rPr lang="en-US" dirty="0"/>
               <a:pPr/>
-              <a:t>11/21/23</a:t>
+              <a:t>11/27/2023</a:t>
             </a:fld>
             <a:endParaRPr lang="en-US" dirty="0"/>
           </a:p>
@@ -604,7 +610,7 @@
           <a:p>
             <a:fld id="{87DE6118-2437-4B30-8E3C-4D2BE6020583}" type="datetimeFigureOut">
               <a:rPr lang="en-US" dirty="0"/>
-              <a:t>11/21/23</a:t>
+              <a:t>11/27/2023</a:t>
             </a:fld>
             <a:endParaRPr lang="en-US" dirty="0"/>
           </a:p>
@@ -779,7 +785,7 @@
           <a:p>
             <a:fld id="{87DE6118-2437-4B30-8E3C-4D2BE6020583}" type="datetimeFigureOut">
               <a:rPr lang="en-US" dirty="0"/>
-              <a:t>11/21/23</a:t>
+              <a:t>11/27/2023</a:t>
             </a:fld>
             <a:endParaRPr lang="en-US" dirty="0"/>
           </a:p>
@@ -944,7 +950,7 @@
           <a:p>
             <a:fld id="{87DE6118-2437-4B30-8E3C-4D2BE6020583}" type="datetimeFigureOut">
               <a:rPr lang="en-US" dirty="0"/>
-              <a:t>11/21/23</a:t>
+              <a:t>11/27/2023</a:t>
             </a:fld>
             <a:endParaRPr lang="en-US" dirty="0"/>
           </a:p>
@@ -1217,7 +1223,7 @@
             <a:fld id="{87DE6118-2437-4B30-8E3C-4D2BE6020583}" type="datetimeFigureOut">
               <a:rPr lang="en-US" dirty="0"/>
               <a:pPr/>
-              <a:t>11/21/23</a:t>
+              <a:t>11/27/2023</a:t>
             </a:fld>
             <a:endParaRPr lang="en-US" dirty="0"/>
           </a:p>
@@ -1607,7 +1613,7 @@
           <a:p>
             <a:fld id="{87DE6118-2437-4B30-8E3C-4D2BE6020583}" type="datetimeFigureOut">
               <a:rPr lang="en-US" dirty="0"/>
-              <a:t>11/21/23</a:t>
+              <a:t>11/27/2023</a:t>
             </a:fld>
             <a:endParaRPr lang="en-US" dirty="0"/>
           </a:p>
@@ -2079,7 +2085,7 @@
           <a:p>
             <a:fld id="{87DE6118-2437-4B30-8E3C-4D2BE6020583}" type="datetimeFigureOut">
               <a:rPr lang="en-US" dirty="0"/>
-              <a:t>11/21/23</a:t>
+              <a:t>11/27/2023</a:t>
             </a:fld>
             <a:endParaRPr lang="en-US" dirty="0"/>
           </a:p>
@@ -2192,7 +2198,7 @@
           <a:p>
             <a:fld id="{87DE6118-2437-4B30-8E3C-4D2BE6020583}" type="datetimeFigureOut">
               <a:rPr lang="en-US" dirty="0"/>
-              <a:t>11/21/23</a:t>
+              <a:t>11/27/2023</a:t>
             </a:fld>
             <a:endParaRPr lang="en-US" dirty="0"/>
           </a:p>
@@ -2282,7 +2288,7 @@
           <a:p>
             <a:fld id="{87DE6118-2437-4B30-8E3C-4D2BE6020583}" type="datetimeFigureOut">
               <a:rPr lang="en-US" dirty="0"/>
-              <a:t>11/21/23</a:t>
+              <a:t>11/27/2023</a:t>
             </a:fld>
             <a:endParaRPr lang="en-US" dirty="0"/>
           </a:p>
@@ -2624,7 +2630,7 @@
             <a:fld id="{87DE6118-2437-4B30-8E3C-4D2BE6020583}" type="datetimeFigureOut">
               <a:rPr lang="en-US" dirty="0"/>
               <a:pPr/>
-              <a:t>11/21/23</a:t>
+              <a:t>11/27/2023</a:t>
             </a:fld>
             <a:endParaRPr lang="en-US" dirty="0"/>
           </a:p>
@@ -3009,7 +3015,7 @@
             <a:fld id="{87DE6118-2437-4B30-8E3C-4D2BE6020583}" type="datetimeFigureOut">
               <a:rPr lang="en-US" dirty="0"/>
               <a:pPr/>
-              <a:t>11/21/23</a:t>
+              <a:t>11/27/2023</a:t>
             </a:fld>
             <a:endParaRPr lang="en-US" dirty="0"/>
           </a:p>
@@ -3284,7 +3290,7 @@
             <a:fld id="{87DE6118-2437-4B30-8E3C-4D2BE6020583}" type="datetimeFigureOut">
               <a:rPr lang="en-US" dirty="0"/>
               <a:pPr/>
-              <a:t>11/21/23</a:t>
+              <a:t>11/27/2023</a:t>
             </a:fld>
             <a:endParaRPr lang="en-US" dirty="0"/>
           </a:p>
@@ -3888,6 +3894,166 @@
           <p:cNvPr id="2" name="Title 1">
             <a:extLst>
               <a:ext uri="{FF2B5EF4-FFF2-40B4-BE49-F238E27FC236}">
+                <a16:creationId xmlns:a16="http://schemas.microsoft.com/office/drawing/2014/main" id="{0369453D-8F28-0616-C30E-5C1D990BEEB6}"/>
+              </a:ext>
+            </a:extLst>
+          </p:cNvPr>
+          <p:cNvSpPr>
+            <a:spLocks noGrp="1"/>
+          </p:cNvSpPr>
+          <p:nvPr>
+            <p:ph type="title"/>
+          </p:nvPr>
+        </p:nvSpPr>
+        <p:spPr/>
+        <p:txBody>
+          <a:bodyPr/>
+          <a:lstStyle/>
+          <a:p>
+            <a:r>
+              <a:rPr lang="en-US" dirty="0"/>
+              <a:t>HTMX w/ Python</a:t>
+            </a:r>
+          </a:p>
+        </p:txBody>
+      </p:sp>
+      <p:sp>
+        <p:nvSpPr>
+          <p:cNvPr id="3" name="Content Placeholder 2">
+            <a:extLst>
+              <a:ext uri="{FF2B5EF4-FFF2-40B4-BE49-F238E27FC236}">
+                <a16:creationId xmlns:a16="http://schemas.microsoft.com/office/drawing/2014/main" id="{995CD7BD-B56D-D29A-B43D-67D27BF00E16}"/>
+              </a:ext>
+            </a:extLst>
+          </p:cNvPr>
+          <p:cNvSpPr>
+            <a:spLocks noGrp="1"/>
+          </p:cNvSpPr>
+          <p:nvPr>
+            <p:ph idx="1"/>
+          </p:nvPr>
+        </p:nvSpPr>
+        <p:spPr>
+          <a:xfrm>
+            <a:off x="1371600" y="1793289"/>
+            <a:ext cx="9601200" cy="4074111"/>
+          </a:xfrm>
+        </p:spPr>
+        <p:txBody>
+          <a:bodyPr/>
+          <a:lstStyle/>
+          <a:p>
+            <a:r>
+              <a:rPr lang="en-US" dirty="0"/>
+              <a:t>Our framework of choice is Flask Python Backend, with HTMX frontend.</a:t>
+            </a:r>
+          </a:p>
+          <a:p>
+            <a:r>
+              <a:rPr lang="en-US" dirty="0"/>
+              <a:t>How do I use HTMX with Python? (to answer the question nobody asked)</a:t>
+            </a:r>
+          </a:p>
+          <a:p>
+            <a:endParaRPr lang="en-US" dirty="0"/>
+          </a:p>
+        </p:txBody>
+      </p:sp>
+      <p:pic>
+        <p:nvPicPr>
+          <p:cNvPr id="5" name="Picture 4">
+            <a:extLst>
+              <a:ext uri="{FF2B5EF4-FFF2-40B4-BE49-F238E27FC236}">
+                <a16:creationId xmlns:a16="http://schemas.microsoft.com/office/drawing/2014/main" id="{A3951650-7A0E-EA83-368C-FE6AA245759E}"/>
+              </a:ext>
+            </a:extLst>
+          </p:cNvPr>
+          <p:cNvPicPr>
+            <a:picLocks noChangeAspect="1"/>
+          </p:cNvPicPr>
+          <p:nvPr/>
+        </p:nvPicPr>
+        <p:blipFill>
+          <a:blip r:embed="rId2"/>
+          <a:stretch>
+            <a:fillRect/>
+          </a:stretch>
+        </p:blipFill>
+        <p:spPr>
+          <a:xfrm>
+            <a:off x="1371600" y="2811294"/>
+            <a:ext cx="10139256" cy="1635603"/>
+          </a:xfrm>
+          <a:prstGeom prst="rect">
+            <a:avLst/>
+          </a:prstGeom>
+        </p:spPr>
+      </p:pic>
+      <p:pic>
+        <p:nvPicPr>
+          <p:cNvPr id="7" name="Picture 6">
+            <a:extLst>
+              <a:ext uri="{FF2B5EF4-FFF2-40B4-BE49-F238E27FC236}">
+                <a16:creationId xmlns:a16="http://schemas.microsoft.com/office/drawing/2014/main" id="{914C501B-D949-9591-3E0D-F3EF9E2F87C2}"/>
+              </a:ext>
+            </a:extLst>
+          </p:cNvPr>
+          <p:cNvPicPr>
+            <a:picLocks noChangeAspect="1"/>
+          </p:cNvPicPr>
+          <p:nvPr/>
+        </p:nvPicPr>
+        <p:blipFill>
+          <a:blip r:embed="rId3"/>
+          <a:stretch>
+            <a:fillRect/>
+          </a:stretch>
+        </p:blipFill>
+        <p:spPr>
+          <a:xfrm>
+            <a:off x="1358630" y="4804241"/>
+            <a:ext cx="10165052" cy="1485900"/>
+          </a:xfrm>
+          <a:prstGeom prst="rect">
+            <a:avLst/>
+          </a:prstGeom>
+        </p:spPr>
+      </p:pic>
+    </p:spTree>
+    <p:extLst>
+      <p:ext uri="{BB962C8B-B14F-4D97-AF65-F5344CB8AC3E}">
+        <p14:creationId xmlns:p14="http://schemas.microsoft.com/office/powerpoint/2010/main" val="2277626487"/>
+      </p:ext>
+    </p:extLst>
+  </p:cSld>
+  <p:clrMapOvr>
+    <a:masterClrMapping/>
+  </p:clrMapOvr>
+</p:sld>
+</file>
+
+<file path=ppt/slides/slide3.xml><?xml version="1.0" encoding="utf-8"?>
+<p:sld xmlns:a="http://schemas.openxmlformats.org/drawingml/2006/main" xmlns:r="http://schemas.openxmlformats.org/officeDocument/2006/relationships" xmlns:p="http://schemas.openxmlformats.org/presentationml/2006/main">
+  <p:cSld>
+    <p:spTree>
+      <p:nvGrpSpPr>
+        <p:cNvPr id="1" name=""/>
+        <p:cNvGrpSpPr/>
+        <p:nvPr/>
+      </p:nvGrpSpPr>
+      <p:grpSpPr>
+        <a:xfrm>
+          <a:off x="0" y="0"/>
+          <a:ext cx="0" cy="0"/>
+          <a:chOff x="0" y="0"/>
+          <a:chExt cx="0" cy="0"/>
+        </a:xfrm>
+      </p:grpSpPr>
+      <p:sp>
+        <p:nvSpPr>
+          <p:cNvPr id="2" name="Title 1">
+            <a:extLst>
+              <a:ext uri="{FF2B5EF4-FFF2-40B4-BE49-F238E27FC236}">
                 <a16:creationId xmlns:a16="http://schemas.microsoft.com/office/drawing/2014/main" id="{7632B33C-B925-6637-B89B-D5AF599AF3CD}"/>
               </a:ext>
             </a:extLst>

--- a/Presentation/HTMX.pptx
+++ b/Presentation/HTMX.pptx
@@ -6,8 +6,9 @@
   </p:sldMasterIdLst>
   <p:sldIdLst>
     <p:sldId id="256" r:id="rId2"/>
-    <p:sldId id="258" r:id="rId3"/>
-    <p:sldId id="257" r:id="rId4"/>
+    <p:sldId id="259" r:id="rId3"/>
+    <p:sldId id="258" r:id="rId4"/>
+    <p:sldId id="257" r:id="rId5"/>
   </p:sldIdLst>
   <p:sldSz cx="12192000" cy="6858000"/>
   <p:notesSz cx="6858000" cy="9144000"/>
@@ -284,7 +285,7 @@
             <a:fld id="{87DE6118-2437-4B30-8E3C-4D2BE6020583}" type="datetimeFigureOut">
               <a:rPr lang="en-US" dirty="0"/>
               <a:pPr/>
-              <a:t>11/27/2023</a:t>
+              <a:t>12/1/2023</a:t>
             </a:fld>
             <a:endParaRPr lang="en-US" dirty="0"/>
           </a:p>
@@ -610,7 +611,7 @@
           <a:p>
             <a:fld id="{87DE6118-2437-4B30-8E3C-4D2BE6020583}" type="datetimeFigureOut">
               <a:rPr lang="en-US" dirty="0"/>
-              <a:t>11/27/2023</a:t>
+              <a:t>12/1/2023</a:t>
             </a:fld>
             <a:endParaRPr lang="en-US" dirty="0"/>
           </a:p>
@@ -785,7 +786,7 @@
           <a:p>
             <a:fld id="{87DE6118-2437-4B30-8E3C-4D2BE6020583}" type="datetimeFigureOut">
               <a:rPr lang="en-US" dirty="0"/>
-              <a:t>11/27/2023</a:t>
+              <a:t>12/1/2023</a:t>
             </a:fld>
             <a:endParaRPr lang="en-US" dirty="0"/>
           </a:p>
@@ -950,7 +951,7 @@
           <a:p>
             <a:fld id="{87DE6118-2437-4B30-8E3C-4D2BE6020583}" type="datetimeFigureOut">
               <a:rPr lang="en-US" dirty="0"/>
-              <a:t>11/27/2023</a:t>
+              <a:t>12/1/2023</a:t>
             </a:fld>
             <a:endParaRPr lang="en-US" dirty="0"/>
           </a:p>
@@ -1223,7 +1224,7 @@
             <a:fld id="{87DE6118-2437-4B30-8E3C-4D2BE6020583}" type="datetimeFigureOut">
               <a:rPr lang="en-US" dirty="0"/>
               <a:pPr/>
-              <a:t>11/27/2023</a:t>
+              <a:t>12/1/2023</a:t>
             </a:fld>
             <a:endParaRPr lang="en-US" dirty="0"/>
           </a:p>
@@ -1613,7 +1614,7 @@
           <a:p>
             <a:fld id="{87DE6118-2437-4B30-8E3C-4D2BE6020583}" type="datetimeFigureOut">
               <a:rPr lang="en-US" dirty="0"/>
-              <a:t>11/27/2023</a:t>
+              <a:t>12/1/2023</a:t>
             </a:fld>
             <a:endParaRPr lang="en-US" dirty="0"/>
           </a:p>
@@ -2085,7 +2086,7 @@
           <a:p>
             <a:fld id="{87DE6118-2437-4B30-8E3C-4D2BE6020583}" type="datetimeFigureOut">
               <a:rPr lang="en-US" dirty="0"/>
-              <a:t>11/27/2023</a:t>
+              <a:t>12/1/2023</a:t>
             </a:fld>
             <a:endParaRPr lang="en-US" dirty="0"/>
           </a:p>
@@ -2198,7 +2199,7 @@
           <a:p>
             <a:fld id="{87DE6118-2437-4B30-8E3C-4D2BE6020583}" type="datetimeFigureOut">
               <a:rPr lang="en-US" dirty="0"/>
-              <a:t>11/27/2023</a:t>
+              <a:t>12/1/2023</a:t>
             </a:fld>
             <a:endParaRPr lang="en-US" dirty="0"/>
           </a:p>
@@ -2288,7 +2289,7 @@
           <a:p>
             <a:fld id="{87DE6118-2437-4B30-8E3C-4D2BE6020583}" type="datetimeFigureOut">
               <a:rPr lang="en-US" dirty="0"/>
-              <a:t>11/27/2023</a:t>
+              <a:t>12/1/2023</a:t>
             </a:fld>
             <a:endParaRPr lang="en-US" dirty="0"/>
           </a:p>
@@ -2630,7 +2631,7 @@
             <a:fld id="{87DE6118-2437-4B30-8E3C-4D2BE6020583}" type="datetimeFigureOut">
               <a:rPr lang="en-US" dirty="0"/>
               <a:pPr/>
-              <a:t>11/27/2023</a:t>
+              <a:t>12/1/2023</a:t>
             </a:fld>
             <a:endParaRPr lang="en-US" dirty="0"/>
           </a:p>
@@ -3015,7 +3016,7 @@
             <a:fld id="{87DE6118-2437-4B30-8E3C-4D2BE6020583}" type="datetimeFigureOut">
               <a:rPr lang="en-US" dirty="0"/>
               <a:pPr/>
-              <a:t>11/27/2023</a:t>
+              <a:t>12/1/2023</a:t>
             </a:fld>
             <a:endParaRPr lang="en-US" dirty="0"/>
           </a:p>
@@ -3290,7 +3291,7 @@
             <a:fld id="{87DE6118-2437-4B30-8E3C-4D2BE6020583}" type="datetimeFigureOut">
               <a:rPr lang="en-US" dirty="0"/>
               <a:pPr/>
-              <a:t>11/27/2023</a:t>
+              <a:t>12/1/2023</a:t>
             </a:fld>
             <a:endParaRPr lang="en-US" dirty="0"/>
           </a:p>
@@ -3784,6 +3785,14 @@
 <file path=ppt/slides/slide1.xml><?xml version="1.0" encoding="utf-8"?>
 <p:sld xmlns:a="http://schemas.openxmlformats.org/drawingml/2006/main" xmlns:r="http://schemas.openxmlformats.org/officeDocument/2006/relationships" xmlns:p="http://schemas.openxmlformats.org/presentationml/2006/main">
   <p:cSld>
+    <p:bg>
+      <p:bgPr>
+        <a:solidFill>
+          <a:schemeClr val="bg2"/>
+        </a:solidFill>
+        <a:effectLst/>
+      </p:bgPr>
+    </p:bg>
     <p:spTree>
       <p:nvGrpSpPr>
         <p:cNvPr id="1" name=""/>
@@ -3798,31 +3807,63 @@
           <a:chExt cx="0" cy="0"/>
         </a:xfrm>
       </p:grpSpPr>
-      <p:sp>
-        <p:nvSpPr>
-          <p:cNvPr id="2" name="Title 1">
+      <p:sp useBgFill="1">
+        <p:nvSpPr>
+          <p:cNvPr id="12" name="Rectangle 11">
             <a:extLst>
               <a:ext uri="{FF2B5EF4-FFF2-40B4-BE49-F238E27FC236}">
-                <a16:creationId xmlns:a16="http://schemas.microsoft.com/office/drawing/2014/main" id="{E2CAE885-3BAE-29DE-05B4-898EBFCFCDEC}"/>
+                <a16:creationId xmlns:a16="http://schemas.microsoft.com/office/drawing/2014/main" id="{1F9A0C1C-8ABC-401B-8FE9-AC9327C4C587}"/>
+              </a:ext>
+              <a:ext uri="{C183D7F6-B498-43B3-948B-1728B52AA6E4}">
+                <adec:decorative xmlns:adec="http://schemas.microsoft.com/office/drawing/2017/decorative" val="1"/>
               </a:ext>
             </a:extLst>
           </p:cNvPr>
           <p:cNvSpPr>
-            <a:spLocks noGrp="1"/>
-          </p:cNvSpPr>
-          <p:nvPr>
-            <p:ph type="ctrTitle"/>
-          </p:nvPr>
-        </p:nvSpPr>
-        <p:spPr/>
-        <p:txBody>
-          <a:bodyPr/>
+            <a:spLocks noGrp="1" noRot="1" noChangeAspect="1" noMove="1" noResize="1" noEditPoints="1" noAdjustHandles="1" noChangeArrowheads="1" noChangeShapeType="1" noTextEdit="1"/>
+          </p:cNvSpPr>
+          <p:nvPr>
+            <p:extLst>
+              <p:ext uri="{386F3935-93C4-4BCD-93E2-E3B085C9AB24}">
+                <p16:designElem xmlns:p16="http://schemas.microsoft.com/office/powerpoint/2015/main" val="1"/>
+              </p:ext>
+            </p:extLst>
+          </p:nvPr>
+        </p:nvSpPr>
+        <p:spPr>
+          <a:xfrm>
+            <a:off x="0" y="0"/>
+            <a:ext cx="12192000" cy="6858000"/>
+          </a:xfrm>
+          <a:prstGeom prst="rect">
+            <a:avLst/>
+          </a:prstGeom>
+          <a:ln>
+            <a:noFill/>
+          </a:ln>
+        </p:spPr>
+        <p:style>
+          <a:lnRef idx="2">
+            <a:schemeClr val="accent1">
+              <a:shade val="50000"/>
+            </a:schemeClr>
+          </a:lnRef>
+          <a:fillRef idx="1001">
+            <a:schemeClr val="lt2"/>
+          </a:fillRef>
+          <a:effectRef idx="0">
+            <a:schemeClr val="accent1"/>
+          </a:effectRef>
+          <a:fontRef idx="minor">
+            <a:schemeClr val="lt1"/>
+          </a:fontRef>
+        </p:style>
+        <p:txBody>
+          <a:bodyPr rtlCol="0" anchor="ctr"/>
           <a:lstStyle/>
           <a:p>
-            <a:r>
-              <a:rPr lang="en-US" dirty="0"/>
-              <a:t>HTMX</a:t>
-            </a:r>
+            <a:pPr algn="ctr"/>
+            <a:endParaRPr lang="en-US"/>
           </a:p>
         </p:txBody>
       </p:sp>
@@ -3842,23 +3883,222 @@
             <p:ph type="subTitle" idx="1"/>
           </p:nvPr>
         </p:nvSpPr>
-        <p:spPr/>
-        <p:txBody>
-          <a:bodyPr/>
+        <p:spPr>
+          <a:xfrm>
+            <a:off x="8186895" y="2838272"/>
+            <a:ext cx="3355942" cy="1794656"/>
+          </a:xfrm>
+        </p:spPr>
+        <p:txBody>
+          <a:bodyPr>
+            <a:normAutofit/>
+          </a:bodyPr>
           <a:lstStyle/>
           <a:p>
+            <a:pPr>
+              <a:spcAft>
+                <a:spcPts val="600"/>
+              </a:spcAft>
+            </a:pPr>
             <a:r>
               <a:rPr lang="en-US" dirty="0"/>
-              <a:t>By Jacob Tanner and Mike </a:t>
-            </a:r>
-            <a:r>
-              <a:rPr lang="en-US" dirty="0" err="1"/>
-              <a:t>Kadoshnikov</a:t>
-            </a:r>
-            <a:endParaRPr lang="en-US" dirty="0"/>
-          </a:p>
-        </p:txBody>
-      </p:sp>
+              <a:t>By Jacob Tanner and Mike Kadoshnikov</a:t>
+            </a:r>
+          </a:p>
+        </p:txBody>
+      </p:sp>
+      <p:sp>
+        <p:nvSpPr>
+          <p:cNvPr id="14" name="Freeform 6">
+            <a:extLst>
+              <a:ext uri="{FF2B5EF4-FFF2-40B4-BE49-F238E27FC236}">
+                <a16:creationId xmlns:a16="http://schemas.microsoft.com/office/drawing/2014/main" id="{BA5783C3-2F96-40A7-A24F-30CB07AA3928}"/>
+              </a:ext>
+              <a:ext uri="{C183D7F6-B498-43B3-948B-1728B52AA6E4}">
+                <adec:decorative xmlns:adec="http://schemas.microsoft.com/office/drawing/2017/decorative" val="1"/>
+              </a:ext>
+            </a:extLst>
+          </p:cNvPr>
+          <p:cNvSpPr>
+            <a:spLocks noGrp="1" noRot="1" noChangeAspect="1" noMove="1" noResize="1" noEditPoints="1" noAdjustHandles="1" noChangeArrowheads="1" noChangeShapeType="1" noTextEdit="1"/>
+          </p:cNvSpPr>
+          <p:nvPr>
+            <p:extLst>
+              <p:ext uri="{386F3935-93C4-4BCD-93E2-E3B085C9AB24}">
+                <p16:designElem xmlns:p16="http://schemas.microsoft.com/office/powerpoint/2015/main" val="1"/>
+              </p:ext>
+            </p:extLst>
+          </p:nvPr>
+        </p:nvSpPr>
+        <p:spPr bwMode="auto">
+          <a:xfrm flipH="1" flipV="1">
+            <a:off x="649163" y="634028"/>
+            <a:ext cx="3275668" cy="4408488"/>
+          </a:xfrm>
+          <a:custGeom>
+            <a:avLst/>
+            <a:gdLst/>
+            <a:ahLst/>
+            <a:cxnLst/>
+            <a:rect l="l" t="t" r="r" b="b"/>
+            <a:pathLst>
+              <a:path w="10002" h="10000">
+                <a:moveTo>
+                  <a:pt x="8763" y="0"/>
+                </a:moveTo>
+                <a:lnTo>
+                  <a:pt x="10002" y="0"/>
+                </a:lnTo>
+                <a:lnTo>
+                  <a:pt x="10002" y="10000"/>
+                </a:lnTo>
+                <a:lnTo>
+                  <a:pt x="2" y="10000"/>
+                </a:lnTo>
+                <a:cubicBezTo>
+                  <a:pt x="-2" y="9698"/>
+                  <a:pt x="4" y="9427"/>
+                  <a:pt x="0" y="9125"/>
+                </a:cubicBezTo>
+                <a:lnTo>
+                  <a:pt x="8763" y="9128"/>
+                </a:lnTo>
+                <a:lnTo>
+                  <a:pt x="8763" y="0"/>
+                </a:lnTo>
+                <a:close/>
+              </a:path>
+            </a:pathLst>
+          </a:custGeom>
+          <a:solidFill>
+            <a:schemeClr val="tx2"/>
+          </a:solidFill>
+          <a:ln w="0">
+            <a:noFill/>
+            <a:prstDash val="solid"/>
+            <a:round/>
+            <a:headEnd/>
+            <a:tailEnd/>
+          </a:ln>
+        </p:spPr>
+        <p:txBody>
+          <a:bodyPr/>
+          <a:lstStyle/>
+          <a:p>
+            <a:endParaRPr lang="en-US"/>
+          </a:p>
+        </p:txBody>
+      </p:sp>
+      <p:sp>
+        <p:nvSpPr>
+          <p:cNvPr id="16" name="Freeform 6">
+            <a:extLst>
+              <a:ext uri="{FF2B5EF4-FFF2-40B4-BE49-F238E27FC236}">
+                <a16:creationId xmlns:a16="http://schemas.microsoft.com/office/drawing/2014/main" id="{A9D08DBA-0326-4C4E-ACFB-576F3ABDD2D0}"/>
+              </a:ext>
+              <a:ext uri="{C183D7F6-B498-43B3-948B-1728B52AA6E4}">
+                <adec:decorative xmlns:adec="http://schemas.microsoft.com/office/drawing/2017/decorative" val="1"/>
+              </a:ext>
+            </a:extLst>
+          </p:cNvPr>
+          <p:cNvSpPr>
+            <a:spLocks noGrp="1" noRot="1" noChangeAspect="1" noMove="1" noResize="1" noEditPoints="1" noAdjustHandles="1" noChangeArrowheads="1" noChangeShapeType="1" noTextEdit="1"/>
+          </p:cNvSpPr>
+          <p:nvPr>
+            <p:extLst>
+              <p:ext uri="{386F3935-93C4-4BCD-93E2-E3B085C9AB24}">
+                <p16:designElem xmlns:p16="http://schemas.microsoft.com/office/powerpoint/2015/main" val="1"/>
+              </p:ext>
+            </p:extLst>
+          </p:nvPr>
+        </p:nvSpPr>
+        <p:spPr bwMode="auto">
+          <a:xfrm>
+            <a:off x="4494670" y="2016617"/>
+            <a:ext cx="3275013" cy="4408488"/>
+          </a:xfrm>
+          <a:custGeom>
+            <a:avLst/>
+            <a:gdLst/>
+            <a:ahLst/>
+            <a:cxnLst/>
+            <a:rect l="l" t="t" r="r" b="b"/>
+            <a:pathLst>
+              <a:path w="10000" h="10000">
+                <a:moveTo>
+                  <a:pt x="8761" y="0"/>
+                </a:moveTo>
+                <a:lnTo>
+                  <a:pt x="10000" y="0"/>
+                </a:lnTo>
+                <a:lnTo>
+                  <a:pt x="10000" y="10000"/>
+                </a:lnTo>
+                <a:lnTo>
+                  <a:pt x="0" y="10000"/>
+                </a:lnTo>
+                <a:lnTo>
+                  <a:pt x="0" y="9126"/>
+                </a:lnTo>
+                <a:lnTo>
+                  <a:pt x="8761" y="9127"/>
+                </a:lnTo>
+                <a:lnTo>
+                  <a:pt x="8761" y="0"/>
+                </a:lnTo>
+                <a:close/>
+              </a:path>
+            </a:pathLst>
+          </a:custGeom>
+          <a:solidFill>
+            <a:schemeClr val="tx2"/>
+          </a:solidFill>
+          <a:ln w="0">
+            <a:noFill/>
+            <a:prstDash val="solid"/>
+            <a:round/>
+            <a:headEnd/>
+            <a:tailEnd/>
+          </a:ln>
+        </p:spPr>
+        <p:txBody>
+          <a:bodyPr/>
+          <a:lstStyle/>
+          <a:p>
+            <a:endParaRPr lang="en-US"/>
+          </a:p>
+        </p:txBody>
+      </p:sp>
+      <p:pic>
+        <p:nvPicPr>
+          <p:cNvPr id="7" name="Picture 6" descr="A black and blue text with a square symbol&#10;&#10;Description automatically generated">
+            <a:extLst>
+              <a:ext uri="{FF2B5EF4-FFF2-40B4-BE49-F238E27FC236}">
+                <a16:creationId xmlns:a16="http://schemas.microsoft.com/office/drawing/2014/main" id="{4D93F5B4-CDA3-3A13-B508-990F4BA4D860}"/>
+              </a:ext>
+            </a:extLst>
+          </p:cNvPr>
+          <p:cNvPicPr>
+            <a:picLocks noChangeAspect="1"/>
+          </p:cNvPicPr>
+          <p:nvPr/>
+        </p:nvPicPr>
+        <p:blipFill>
+          <a:blip r:embed="rId2"/>
+          <a:stretch>
+            <a:fillRect/>
+          </a:stretch>
+        </p:blipFill>
+        <p:spPr>
+          <a:xfrm>
+            <a:off x="1379023" y="1936940"/>
+            <a:ext cx="5659222" cy="3183312"/>
+          </a:xfrm>
+          <a:prstGeom prst="rect">
+            <a:avLst/>
+          </a:prstGeom>
+        </p:spPr>
+      </p:pic>
     </p:spTree>
     <p:extLst>
       <p:ext uri="{BB962C8B-B14F-4D97-AF65-F5344CB8AC3E}">
@@ -3894,6 +4134,93 @@
           <p:cNvPr id="2" name="Title 1">
             <a:extLst>
               <a:ext uri="{FF2B5EF4-FFF2-40B4-BE49-F238E27FC236}">
+                <a16:creationId xmlns:a16="http://schemas.microsoft.com/office/drawing/2014/main" id="{84A4C759-4843-D4C2-05C0-2B0075281169}"/>
+              </a:ext>
+            </a:extLst>
+          </p:cNvPr>
+          <p:cNvSpPr>
+            <a:spLocks noGrp="1"/>
+          </p:cNvSpPr>
+          <p:nvPr>
+            <p:ph type="title"/>
+          </p:nvPr>
+        </p:nvSpPr>
+        <p:spPr/>
+        <p:txBody>
+          <a:bodyPr/>
+          <a:lstStyle/>
+          <a:p>
+            <a:r>
+              <a:rPr lang="en-US" dirty="0"/>
+              <a:t>Moment of Silence</a:t>
+            </a:r>
+          </a:p>
+        </p:txBody>
+      </p:sp>
+      <p:pic>
+        <p:nvPicPr>
+          <p:cNvPr id="5" name="Content Placeholder 4" descr="A person wearing a hat and headphones&#10;&#10;Description automatically generated">
+            <a:extLst>
+              <a:ext uri="{FF2B5EF4-FFF2-40B4-BE49-F238E27FC236}">
+                <a16:creationId xmlns:a16="http://schemas.microsoft.com/office/drawing/2014/main" id="{47A6B162-1F6D-D85F-DB8A-3F162DEB1C16}"/>
+              </a:ext>
+            </a:extLst>
+          </p:cNvPr>
+          <p:cNvPicPr>
+            <a:picLocks noGrp="1" noChangeAspect="1"/>
+          </p:cNvPicPr>
+          <p:nvPr>
+            <p:ph idx="1"/>
+          </p:nvPr>
+        </p:nvPicPr>
+        <p:blipFill>
+          <a:blip r:embed="rId2"/>
+          <a:stretch>
+            <a:fillRect/>
+          </a:stretch>
+        </p:blipFill>
+        <p:spPr>
+          <a:xfrm>
+            <a:off x="4142395" y="1537864"/>
+            <a:ext cx="3907210" cy="4884013"/>
+          </a:xfrm>
+        </p:spPr>
+      </p:pic>
+    </p:spTree>
+    <p:extLst>
+      <p:ext uri="{BB962C8B-B14F-4D97-AF65-F5344CB8AC3E}">
+        <p14:creationId xmlns:p14="http://schemas.microsoft.com/office/powerpoint/2010/main" val="2129311765"/>
+      </p:ext>
+    </p:extLst>
+  </p:cSld>
+  <p:clrMapOvr>
+    <a:masterClrMapping/>
+  </p:clrMapOvr>
+</p:sld>
+</file>
+
+<file path=ppt/slides/slide3.xml><?xml version="1.0" encoding="utf-8"?>
+<p:sld xmlns:a="http://schemas.openxmlformats.org/drawingml/2006/main" xmlns:r="http://schemas.openxmlformats.org/officeDocument/2006/relationships" xmlns:p="http://schemas.openxmlformats.org/presentationml/2006/main">
+  <p:cSld>
+    <p:spTree>
+      <p:nvGrpSpPr>
+        <p:cNvPr id="1" name=""/>
+        <p:cNvGrpSpPr/>
+        <p:nvPr/>
+      </p:nvGrpSpPr>
+      <p:grpSpPr>
+        <a:xfrm>
+          <a:off x="0" y="0"/>
+          <a:ext cx="0" cy="0"/>
+          <a:chOff x="0" y="0"/>
+          <a:chExt cx="0" cy="0"/>
+        </a:xfrm>
+      </p:grpSpPr>
+      <p:sp>
+        <p:nvSpPr>
+          <p:cNvPr id="2" name="Title 1">
+            <a:extLst>
+              <a:ext uri="{FF2B5EF4-FFF2-40B4-BE49-F238E27FC236}">
                 <a16:creationId xmlns:a16="http://schemas.microsoft.com/office/drawing/2014/main" id="{0369453D-8F28-0616-C30E-5C1D990BEEB6}"/>
               </a:ext>
             </a:extLst>
@@ -4032,7 +4359,7 @@
 </p:sld>
 </file>
 
-<file path=ppt/slides/slide3.xml><?xml version="1.0" encoding="utf-8"?>
+<file path=ppt/slides/slide4.xml><?xml version="1.0" encoding="utf-8"?>
 <p:sld xmlns:a="http://schemas.openxmlformats.org/drawingml/2006/main" xmlns:r="http://schemas.openxmlformats.org/officeDocument/2006/relationships" xmlns:p="http://schemas.openxmlformats.org/presentationml/2006/main">
   <p:cSld>
     <p:spTree>

--- a/Presentation/HTMX.pptx
+++ b/Presentation/HTMX.pptx
@@ -4152,8 +4152,13 @@
           <a:p>
             <a:r>
               <a:rPr lang="en-US" dirty="0"/>
-              <a:t>Moment of Silence</a:t>
-            </a:r>
+              <a:t>The man </a:t>
+            </a:r>
+            <a:r>
+              <a:rPr lang="en-US"/>
+              <a:t>who started it all!</a:t>
+            </a:r>
+            <a:endParaRPr lang="en-US" dirty="0"/>
           </a:p>
         </p:txBody>
       </p:sp>

--- a/Presentation/HTMX.pptx
+++ b/Presentation/HTMX.pptx
@@ -8,7 +8,8 @@
     <p:sldId id="256" r:id="rId2"/>
     <p:sldId id="259" r:id="rId3"/>
     <p:sldId id="258" r:id="rId4"/>
-    <p:sldId id="257" r:id="rId5"/>
+    <p:sldId id="260" r:id="rId5"/>
+    <p:sldId id="257" r:id="rId6"/>
   </p:sldIdLst>
   <p:sldSz cx="12192000" cy="6858000"/>
   <p:notesSz cx="6858000" cy="9144000"/>
@@ -285,7 +286,7 @@
             <a:fld id="{87DE6118-2437-4B30-8E3C-4D2BE6020583}" type="datetimeFigureOut">
               <a:rPr lang="en-US" dirty="0"/>
               <a:pPr/>
-              <a:t>12/1/2023</a:t>
+              <a:t>12/7/2023</a:t>
             </a:fld>
             <a:endParaRPr lang="en-US" dirty="0"/>
           </a:p>
@@ -611,7 +612,7 @@
           <a:p>
             <a:fld id="{87DE6118-2437-4B30-8E3C-4D2BE6020583}" type="datetimeFigureOut">
               <a:rPr lang="en-US" dirty="0"/>
-              <a:t>12/1/2023</a:t>
+              <a:t>12/7/2023</a:t>
             </a:fld>
             <a:endParaRPr lang="en-US" dirty="0"/>
           </a:p>
@@ -786,7 +787,7 @@
           <a:p>
             <a:fld id="{87DE6118-2437-4B30-8E3C-4D2BE6020583}" type="datetimeFigureOut">
               <a:rPr lang="en-US" dirty="0"/>
-              <a:t>12/1/2023</a:t>
+              <a:t>12/7/2023</a:t>
             </a:fld>
             <a:endParaRPr lang="en-US" dirty="0"/>
           </a:p>
@@ -951,7 +952,7 @@
           <a:p>
             <a:fld id="{87DE6118-2437-4B30-8E3C-4D2BE6020583}" type="datetimeFigureOut">
               <a:rPr lang="en-US" dirty="0"/>
-              <a:t>12/1/2023</a:t>
+              <a:t>12/7/2023</a:t>
             </a:fld>
             <a:endParaRPr lang="en-US" dirty="0"/>
           </a:p>
@@ -1224,7 +1225,7 @@
             <a:fld id="{87DE6118-2437-4B30-8E3C-4D2BE6020583}" type="datetimeFigureOut">
               <a:rPr lang="en-US" dirty="0"/>
               <a:pPr/>
-              <a:t>12/1/2023</a:t>
+              <a:t>12/7/2023</a:t>
             </a:fld>
             <a:endParaRPr lang="en-US" dirty="0"/>
           </a:p>
@@ -1614,7 +1615,7 @@
           <a:p>
             <a:fld id="{87DE6118-2437-4B30-8E3C-4D2BE6020583}" type="datetimeFigureOut">
               <a:rPr lang="en-US" dirty="0"/>
-              <a:t>12/1/2023</a:t>
+              <a:t>12/7/2023</a:t>
             </a:fld>
             <a:endParaRPr lang="en-US" dirty="0"/>
           </a:p>
@@ -2086,7 +2087,7 @@
           <a:p>
             <a:fld id="{87DE6118-2437-4B30-8E3C-4D2BE6020583}" type="datetimeFigureOut">
               <a:rPr lang="en-US" dirty="0"/>
-              <a:t>12/1/2023</a:t>
+              <a:t>12/7/2023</a:t>
             </a:fld>
             <a:endParaRPr lang="en-US" dirty="0"/>
           </a:p>
@@ -2199,7 +2200,7 @@
           <a:p>
             <a:fld id="{87DE6118-2437-4B30-8E3C-4D2BE6020583}" type="datetimeFigureOut">
               <a:rPr lang="en-US" dirty="0"/>
-              <a:t>12/1/2023</a:t>
+              <a:t>12/7/2023</a:t>
             </a:fld>
             <a:endParaRPr lang="en-US" dirty="0"/>
           </a:p>
@@ -2289,7 +2290,7 @@
           <a:p>
             <a:fld id="{87DE6118-2437-4B30-8E3C-4D2BE6020583}" type="datetimeFigureOut">
               <a:rPr lang="en-US" dirty="0"/>
-              <a:t>12/1/2023</a:t>
+              <a:t>12/7/2023</a:t>
             </a:fld>
             <a:endParaRPr lang="en-US" dirty="0"/>
           </a:p>
@@ -2631,7 +2632,7 @@
             <a:fld id="{87DE6118-2437-4B30-8E3C-4D2BE6020583}" type="datetimeFigureOut">
               <a:rPr lang="en-US" dirty="0"/>
               <a:pPr/>
-              <a:t>12/1/2023</a:t>
+              <a:t>12/7/2023</a:t>
             </a:fld>
             <a:endParaRPr lang="en-US" dirty="0"/>
           </a:p>
@@ -3016,7 +3017,7 @@
             <a:fld id="{87DE6118-2437-4B30-8E3C-4D2BE6020583}" type="datetimeFigureOut">
               <a:rPr lang="en-US" dirty="0"/>
               <a:pPr/>
-              <a:t>12/1/2023</a:t>
+              <a:t>12/7/2023</a:t>
             </a:fld>
             <a:endParaRPr lang="en-US" dirty="0"/>
           </a:p>
@@ -3291,7 +3292,7 @@
             <a:fld id="{87DE6118-2437-4B30-8E3C-4D2BE6020583}" type="datetimeFigureOut">
               <a:rPr lang="en-US" dirty="0"/>
               <a:pPr/>
-              <a:t>12/1/2023</a:t>
+              <a:t>12/7/2023</a:t>
             </a:fld>
             <a:endParaRPr lang="en-US" dirty="0"/>
           </a:p>
@@ -4277,7 +4278,7 @@
           <a:p>
             <a:r>
               <a:rPr lang="en-US" dirty="0"/>
-              <a:t>Our framework of choice is Flask Python Backend, with HTMX frontend.</a:t>
+              <a:t>Our framework of choice is Flask Python Backend, with HTMX.</a:t>
             </a:r>
           </a:p>
           <a:p>
@@ -4365,6 +4366,139 @@
 </file>
 
 <file path=ppt/slides/slide4.xml><?xml version="1.0" encoding="utf-8"?>
+<p:sld xmlns:a="http://schemas.openxmlformats.org/drawingml/2006/main" xmlns:r="http://schemas.openxmlformats.org/officeDocument/2006/relationships" xmlns:p="http://schemas.openxmlformats.org/presentationml/2006/main">
+  <p:cSld>
+    <p:spTree>
+      <p:nvGrpSpPr>
+        <p:cNvPr id="1" name=""/>
+        <p:cNvGrpSpPr/>
+        <p:nvPr/>
+      </p:nvGrpSpPr>
+      <p:grpSpPr>
+        <a:xfrm>
+          <a:off x="0" y="0"/>
+          <a:ext cx="0" cy="0"/>
+          <a:chOff x="0" y="0"/>
+          <a:chExt cx="0" cy="0"/>
+        </a:xfrm>
+      </p:grpSpPr>
+      <p:sp>
+        <p:nvSpPr>
+          <p:cNvPr id="2" name="Title 1">
+            <a:extLst>
+              <a:ext uri="{FF2B5EF4-FFF2-40B4-BE49-F238E27FC236}">
+                <a16:creationId xmlns:a16="http://schemas.microsoft.com/office/drawing/2014/main" id="{DA22467A-AC60-10E4-3A72-F640161BABDB}"/>
+              </a:ext>
+            </a:extLst>
+          </p:cNvPr>
+          <p:cNvSpPr>
+            <a:spLocks noGrp="1"/>
+          </p:cNvSpPr>
+          <p:nvPr>
+            <p:ph type="title"/>
+          </p:nvPr>
+        </p:nvSpPr>
+        <p:spPr/>
+        <p:txBody>
+          <a:bodyPr/>
+          <a:lstStyle/>
+          <a:p>
+            <a:r>
+              <a:rPr lang="en-US" dirty="0"/>
+              <a:t>Tabs</a:t>
+            </a:r>
+          </a:p>
+        </p:txBody>
+      </p:sp>
+      <p:sp>
+        <p:nvSpPr>
+          <p:cNvPr id="3" name="Content Placeholder 2">
+            <a:extLst>
+              <a:ext uri="{FF2B5EF4-FFF2-40B4-BE49-F238E27FC236}">
+                <a16:creationId xmlns:a16="http://schemas.microsoft.com/office/drawing/2014/main" id="{602CCD82-19DA-FC51-1389-4F5DA7FE05A2}"/>
+              </a:ext>
+            </a:extLst>
+          </p:cNvPr>
+          <p:cNvSpPr>
+            <a:spLocks noGrp="1"/>
+          </p:cNvSpPr>
+          <p:nvPr>
+            <p:ph idx="1"/>
+          </p:nvPr>
+        </p:nvSpPr>
+        <p:spPr>
+          <a:xfrm>
+            <a:off x="1371600" y="1466850"/>
+            <a:ext cx="9601200" cy="3581400"/>
+          </a:xfrm>
+        </p:spPr>
+        <p:txBody>
+          <a:bodyPr/>
+          <a:lstStyle/>
+          <a:p>
+            <a:r>
+              <a:rPr lang="en-US" dirty="0"/>
+              <a:t>Used to change page content without reloading webpage.</a:t>
+            </a:r>
+          </a:p>
+          <a:p>
+            <a:r>
+              <a:rPr lang="en-US" dirty="0"/>
+              <a:t>HTMX handles the get request</a:t>
+            </a:r>
+          </a:p>
+          <a:p>
+            <a:r>
+              <a:rPr lang="en-US" dirty="0"/>
+              <a:t>Flask loads content </a:t>
+            </a:r>
+          </a:p>
+        </p:txBody>
+      </p:sp>
+      <p:pic>
+        <p:nvPicPr>
+          <p:cNvPr id="7" name="Picture 6">
+            <a:extLst>
+              <a:ext uri="{FF2B5EF4-FFF2-40B4-BE49-F238E27FC236}">
+                <a16:creationId xmlns:a16="http://schemas.microsoft.com/office/drawing/2014/main" id="{9961C5C3-3527-EC23-C418-D2082ED5CC72}"/>
+              </a:ext>
+            </a:extLst>
+          </p:cNvPr>
+          <p:cNvPicPr>
+            <a:picLocks noChangeAspect="1"/>
+          </p:cNvPicPr>
+          <p:nvPr/>
+        </p:nvPicPr>
+        <p:blipFill>
+          <a:blip r:embed="rId2"/>
+          <a:stretch>
+            <a:fillRect/>
+          </a:stretch>
+        </p:blipFill>
+        <p:spPr>
+          <a:xfrm>
+            <a:off x="943583" y="3067232"/>
+            <a:ext cx="9283430" cy="3314518"/>
+          </a:xfrm>
+          <a:prstGeom prst="rect">
+            <a:avLst/>
+          </a:prstGeom>
+        </p:spPr>
+      </p:pic>
+    </p:spTree>
+    <p:extLst>
+      <p:ext uri="{BB962C8B-B14F-4D97-AF65-F5344CB8AC3E}">
+        <p14:creationId xmlns:p14="http://schemas.microsoft.com/office/powerpoint/2010/main" val="3213340087"/>
+      </p:ext>
+    </p:extLst>
+  </p:cSld>
+  <p:clrMapOvr>
+    <a:masterClrMapping/>
+  </p:clrMapOvr>
+</p:sld>
+</file>
+
+<file path=ppt/slides/slide5.xml><?xml version="1.0" encoding="utf-8"?>
 <p:sld xmlns:a="http://schemas.openxmlformats.org/drawingml/2006/main" xmlns:r="http://schemas.openxmlformats.org/officeDocument/2006/relationships" xmlns:p="http://schemas.openxmlformats.org/presentationml/2006/main">
   <p:cSld>
     <p:spTree>

--- a/Presentation/HTMX.pptx
+++ b/Presentation/HTMX.pptx
@@ -9,7 +9,8 @@
     <p:sldId id="259" r:id="rId3"/>
     <p:sldId id="258" r:id="rId4"/>
     <p:sldId id="260" r:id="rId5"/>
-    <p:sldId id="257" r:id="rId6"/>
+    <p:sldId id="261" r:id="rId6"/>
+    <p:sldId id="257" r:id="rId7"/>
   </p:sldIdLst>
   <p:sldSz cx="12192000" cy="6858000"/>
   <p:notesSz cx="6858000" cy="9144000"/>
@@ -4485,6 +4486,66 @@
           </a:prstGeom>
         </p:spPr>
       </p:pic>
+      <p:pic>
+        <p:nvPicPr>
+          <p:cNvPr id="5" name="Picture 4">
+            <a:extLst>
+              <a:ext uri="{FF2B5EF4-FFF2-40B4-BE49-F238E27FC236}">
+                <a16:creationId xmlns:a16="http://schemas.microsoft.com/office/drawing/2014/main" id="{37451800-B6A1-60D3-DC06-9307AB5ADB97}"/>
+              </a:ext>
+            </a:extLst>
+          </p:cNvPr>
+          <p:cNvPicPr>
+            <a:picLocks noChangeAspect="1"/>
+          </p:cNvPicPr>
+          <p:nvPr/>
+        </p:nvPicPr>
+        <p:blipFill>
+          <a:blip r:embed="rId3"/>
+          <a:stretch>
+            <a:fillRect/>
+          </a:stretch>
+        </p:blipFill>
+        <p:spPr>
+          <a:xfrm>
+            <a:off x="6663447" y="2051592"/>
+            <a:ext cx="4872471" cy="901158"/>
+          </a:xfrm>
+          <a:prstGeom prst="rect">
+            <a:avLst/>
+          </a:prstGeom>
+        </p:spPr>
+      </p:pic>
+      <p:pic>
+        <p:nvPicPr>
+          <p:cNvPr id="8" name="Picture 7">
+            <a:extLst>
+              <a:ext uri="{FF2B5EF4-FFF2-40B4-BE49-F238E27FC236}">
+                <a16:creationId xmlns:a16="http://schemas.microsoft.com/office/drawing/2014/main" id="{305E2DB4-2B8E-FBD7-7797-BF502BF62075}"/>
+              </a:ext>
+            </a:extLst>
+          </p:cNvPr>
+          <p:cNvPicPr>
+            <a:picLocks noChangeAspect="1"/>
+          </p:cNvPicPr>
+          <p:nvPr/>
+        </p:nvPicPr>
+        <p:blipFill>
+          <a:blip r:embed="rId4"/>
+          <a:stretch>
+            <a:fillRect/>
+          </a:stretch>
+        </p:blipFill>
+        <p:spPr>
+          <a:xfrm>
+            <a:off x="6778456" y="4625786"/>
+            <a:ext cx="5249237" cy="2078557"/>
+          </a:xfrm>
+          <a:prstGeom prst="rect">
+            <a:avLst/>
+          </a:prstGeom>
+        </p:spPr>
+      </p:pic>
     </p:spTree>
     <p:extLst>
       <p:ext uri="{BB962C8B-B14F-4D97-AF65-F5344CB8AC3E}">
@@ -4499,6 +4560,160 @@
 </file>
 
 <file path=ppt/slides/slide5.xml><?xml version="1.0" encoding="utf-8"?>
+<p:sld xmlns:a="http://schemas.openxmlformats.org/drawingml/2006/main" xmlns:r="http://schemas.openxmlformats.org/officeDocument/2006/relationships" xmlns:p="http://schemas.openxmlformats.org/presentationml/2006/main">
+  <p:cSld>
+    <p:spTree>
+      <p:nvGrpSpPr>
+        <p:cNvPr id="1" name=""/>
+        <p:cNvGrpSpPr/>
+        <p:nvPr/>
+      </p:nvGrpSpPr>
+      <p:grpSpPr>
+        <a:xfrm>
+          <a:off x="0" y="0"/>
+          <a:ext cx="0" cy="0"/>
+          <a:chOff x="0" y="0"/>
+          <a:chExt cx="0" cy="0"/>
+        </a:xfrm>
+      </p:grpSpPr>
+      <p:sp>
+        <p:nvSpPr>
+          <p:cNvPr id="2" name="Title 1">
+            <a:extLst>
+              <a:ext uri="{FF2B5EF4-FFF2-40B4-BE49-F238E27FC236}">
+                <a16:creationId xmlns:a16="http://schemas.microsoft.com/office/drawing/2014/main" id="{6D636077-0A6E-5E71-A6CD-EBB051508B35}"/>
+              </a:ext>
+            </a:extLst>
+          </p:cNvPr>
+          <p:cNvSpPr>
+            <a:spLocks noGrp="1"/>
+          </p:cNvSpPr>
+          <p:nvPr>
+            <p:ph type="title"/>
+          </p:nvPr>
+        </p:nvSpPr>
+        <p:spPr/>
+        <p:txBody>
+          <a:bodyPr/>
+          <a:lstStyle/>
+          <a:p>
+            <a:r>
+              <a:rPr lang="en-US" dirty="0"/>
+              <a:t>Confirmation</a:t>
+            </a:r>
+          </a:p>
+        </p:txBody>
+      </p:sp>
+      <p:sp>
+        <p:nvSpPr>
+          <p:cNvPr id="3" name="Content Placeholder 2">
+            <a:extLst>
+              <a:ext uri="{FF2B5EF4-FFF2-40B4-BE49-F238E27FC236}">
+                <a16:creationId xmlns:a16="http://schemas.microsoft.com/office/drawing/2014/main" id="{6DDF676A-940C-13E0-F30A-AE486FA7D813}"/>
+              </a:ext>
+            </a:extLst>
+          </p:cNvPr>
+          <p:cNvSpPr>
+            <a:spLocks noGrp="1"/>
+          </p:cNvSpPr>
+          <p:nvPr>
+            <p:ph idx="1"/>
+          </p:nvPr>
+        </p:nvSpPr>
+        <p:spPr/>
+        <p:txBody>
+          <a:bodyPr/>
+          <a:lstStyle/>
+          <a:p>
+            <a:r>
+              <a:rPr lang="en-US" dirty="0"/>
+              <a:t>Uses the </a:t>
+            </a:r>
+            <a:r>
+              <a:rPr lang="en-US" dirty="0" err="1"/>
+              <a:t>hx</a:t>
+            </a:r>
+            <a:r>
+              <a:rPr lang="en-US" dirty="0"/>
+              <a:t>-trigger to trigger a JavaScript confirmation pop-up</a:t>
+            </a:r>
+          </a:p>
+        </p:txBody>
+      </p:sp>
+      <p:pic>
+        <p:nvPicPr>
+          <p:cNvPr id="5" name="Picture 4">
+            <a:extLst>
+              <a:ext uri="{FF2B5EF4-FFF2-40B4-BE49-F238E27FC236}">
+                <a16:creationId xmlns:a16="http://schemas.microsoft.com/office/drawing/2014/main" id="{3162DAF2-21EF-B05E-6B3C-0A8C01ADA84A}"/>
+              </a:ext>
+            </a:extLst>
+          </p:cNvPr>
+          <p:cNvPicPr>
+            <a:picLocks noChangeAspect="1"/>
+          </p:cNvPicPr>
+          <p:nvPr/>
+        </p:nvPicPr>
+        <p:blipFill>
+          <a:blip r:embed="rId2"/>
+          <a:stretch>
+            <a:fillRect/>
+          </a:stretch>
+        </p:blipFill>
+        <p:spPr>
+          <a:xfrm>
+            <a:off x="806126" y="3589506"/>
+            <a:ext cx="11171561" cy="1890869"/>
+          </a:xfrm>
+          <a:prstGeom prst="rect">
+            <a:avLst/>
+          </a:prstGeom>
+        </p:spPr>
+      </p:pic>
+      <p:pic>
+        <p:nvPicPr>
+          <p:cNvPr id="7" name="Picture 6">
+            <a:extLst>
+              <a:ext uri="{FF2B5EF4-FFF2-40B4-BE49-F238E27FC236}">
+                <a16:creationId xmlns:a16="http://schemas.microsoft.com/office/drawing/2014/main" id="{1AA99089-244B-8859-249B-3851F3F40AF3}"/>
+              </a:ext>
+            </a:extLst>
+          </p:cNvPr>
+          <p:cNvPicPr>
+            <a:picLocks noChangeAspect="1"/>
+          </p:cNvPicPr>
+          <p:nvPr/>
+        </p:nvPicPr>
+        <p:blipFill>
+          <a:blip r:embed="rId3"/>
+          <a:stretch>
+            <a:fillRect/>
+          </a:stretch>
+        </p:blipFill>
+        <p:spPr>
+          <a:xfrm>
+            <a:off x="6615112" y="133350"/>
+            <a:ext cx="5362575" cy="2038350"/>
+          </a:xfrm>
+          <a:prstGeom prst="rect">
+            <a:avLst/>
+          </a:prstGeom>
+        </p:spPr>
+      </p:pic>
+    </p:spTree>
+    <p:extLst>
+      <p:ext uri="{BB962C8B-B14F-4D97-AF65-F5344CB8AC3E}">
+        <p14:creationId xmlns:p14="http://schemas.microsoft.com/office/powerpoint/2010/main" val="30273476"/>
+      </p:ext>
+    </p:extLst>
+  </p:cSld>
+  <p:clrMapOvr>
+    <a:masterClrMapping/>
+  </p:clrMapOvr>
+</p:sld>
+</file>
+
+<file path=ppt/slides/slide6.xml><?xml version="1.0" encoding="utf-8"?>
 <p:sld xmlns:a="http://schemas.openxmlformats.org/drawingml/2006/main" xmlns:r="http://schemas.openxmlformats.org/officeDocument/2006/relationships" xmlns:p="http://schemas.openxmlformats.org/presentationml/2006/main">
   <p:cSld>
     <p:spTree>

--- a/Presentation/HTMX.pptx
+++ b/Presentation/HTMX.pptx
@@ -8,9 +8,12 @@
     <p:sldId id="256" r:id="rId2"/>
     <p:sldId id="259" r:id="rId3"/>
     <p:sldId id="258" r:id="rId4"/>
-    <p:sldId id="260" r:id="rId5"/>
-    <p:sldId id="261" r:id="rId6"/>
-    <p:sldId id="257" r:id="rId7"/>
+    <p:sldId id="257" r:id="rId5"/>
+    <p:sldId id="260" r:id="rId6"/>
+    <p:sldId id="261" r:id="rId7"/>
+    <p:sldId id="263" r:id="rId8"/>
+    <p:sldId id="265" r:id="rId9"/>
+    <p:sldId id="264" r:id="rId10"/>
   </p:sldIdLst>
   <p:sldSz cx="12192000" cy="6858000"/>
   <p:notesSz cx="6858000" cy="9144000"/>
@@ -117,6 +120,396 @@
 </p:presentation>
 </file>
 
+<file path=ppt/revisionInfo.xml><?xml version="1.0" encoding="utf-8"?>
+<p1510:revInfo xmlns:a="http://schemas.openxmlformats.org/drawingml/2006/main" xmlns:r="http://schemas.openxmlformats.org/officeDocument/2006/relationships" xmlns:p1510="http://schemas.microsoft.com/office/powerpoint/2015/10/main">
+  <p1510:revLst>
+    <p1510:client id="{5401CBF7-7422-4C3C-A269-3DE47AF9A12C}" v="272" dt="2023-12-07T23:56:50.854"/>
+    <p1510:client id="{7E81AB0B-3F0C-1347-A9E8-A764B2F8C4DD}" v="3252" dt="2023-12-08T16:47:50.029"/>
+  </p1510:revLst>
+</p1510:revInfo>
+</file>
+
+<file path=ppt/changesInfos/changesInfo1.xml><?xml version="1.0" encoding="utf-8"?>
+<pc:chgInfo xmlns:a="http://schemas.openxmlformats.org/drawingml/2006/main" xmlns:r="http://schemas.openxmlformats.org/officeDocument/2006/relationships" xmlns:ac="http://schemas.microsoft.com/office/drawing/2013/main/command" xmlns:pc="http://schemas.microsoft.com/office/powerpoint/2013/main/command">
+  <pc:docChgLst>
+    <pc:chgData name="Mike Kadoshnikov" userId="43ffd5610eacfd72" providerId="Windows Live" clId="Web-{5401CBF7-7422-4C3C-A269-3DE47AF9A12C}"/>
+    <pc:docChg chg="addSld delSld modSld">
+      <pc:chgData name="Mike Kadoshnikov" userId="43ffd5610eacfd72" providerId="Windows Live" clId="Web-{5401CBF7-7422-4C3C-A269-3DE47AF9A12C}" dt="2023-12-07T23:56:50.854" v="267" actId="1076"/>
+      <pc:docMkLst>
+        <pc:docMk/>
+      </pc:docMkLst>
+      <pc:sldChg chg="addSp delSp modSp">
+        <pc:chgData name="Mike Kadoshnikov" userId="43ffd5610eacfd72" providerId="Windows Live" clId="Web-{5401CBF7-7422-4C3C-A269-3DE47AF9A12C}" dt="2023-12-07T23:26:09.392" v="234" actId="1076"/>
+        <pc:sldMkLst>
+          <pc:docMk/>
+          <pc:sldMk cId="2277626487" sldId="258"/>
+        </pc:sldMkLst>
+        <pc:spChg chg="mod">
+          <ac:chgData name="Mike Kadoshnikov" userId="43ffd5610eacfd72" providerId="Windows Live" clId="Web-{5401CBF7-7422-4C3C-A269-3DE47AF9A12C}" dt="2023-12-07T23:26:07.407" v="233" actId="20577"/>
+          <ac:spMkLst>
+            <pc:docMk/>
+            <pc:sldMk cId="2277626487" sldId="258"/>
+            <ac:spMk id="3" creationId="{995CD7BD-B56D-D29A-B43D-67D27BF00E16}"/>
+          </ac:spMkLst>
+        </pc:spChg>
+        <pc:picChg chg="add del mod">
+          <ac:chgData name="Mike Kadoshnikov" userId="43ffd5610eacfd72" providerId="Windows Live" clId="Web-{5401CBF7-7422-4C3C-A269-3DE47AF9A12C}" dt="2023-12-07T23:17:47.693" v="227"/>
+          <ac:picMkLst>
+            <pc:docMk/>
+            <pc:sldMk cId="2277626487" sldId="258"/>
+            <ac:picMk id="4" creationId="{8504ACAB-612C-0B83-A32B-ECA68E3C1D1A}"/>
+          </ac:picMkLst>
+        </pc:picChg>
+        <pc:picChg chg="mod">
+          <ac:chgData name="Mike Kadoshnikov" userId="43ffd5610eacfd72" providerId="Windows Live" clId="Web-{5401CBF7-7422-4C3C-A269-3DE47AF9A12C}" dt="2023-12-07T23:26:00.079" v="230" actId="1076"/>
+          <ac:picMkLst>
+            <pc:docMk/>
+            <pc:sldMk cId="2277626487" sldId="258"/>
+            <ac:picMk id="5" creationId="{A3951650-7A0E-EA83-368C-FE6AA245759E}"/>
+          </ac:picMkLst>
+        </pc:picChg>
+        <pc:picChg chg="add mod">
+          <ac:chgData name="Mike Kadoshnikov" userId="43ffd5610eacfd72" providerId="Windows Live" clId="Web-{5401CBF7-7422-4C3C-A269-3DE47AF9A12C}" dt="2023-12-07T23:26:09.392" v="234" actId="1076"/>
+          <ac:picMkLst>
+            <pc:docMk/>
+            <pc:sldMk cId="2277626487" sldId="258"/>
+            <ac:picMk id="6" creationId="{BA9B1FC2-0D95-3956-7ADC-03046DE75791}"/>
+          </ac:picMkLst>
+        </pc:picChg>
+        <pc:picChg chg="add del">
+          <ac:chgData name="Mike Kadoshnikov" userId="43ffd5610eacfd72" providerId="Windows Live" clId="Web-{5401CBF7-7422-4C3C-A269-3DE47AF9A12C}" dt="2023-12-07T23:17:48.350" v="228"/>
+          <ac:picMkLst>
+            <pc:docMk/>
+            <pc:sldMk cId="2277626487" sldId="258"/>
+            <ac:picMk id="7" creationId="{914C501B-D949-9591-3E0D-F3EF9E2F87C2}"/>
+          </ac:picMkLst>
+        </pc:picChg>
+      </pc:sldChg>
+      <pc:sldChg chg="addSp delSp modSp">
+        <pc:chgData name="Mike Kadoshnikov" userId="43ffd5610eacfd72" providerId="Windows Live" clId="Web-{5401CBF7-7422-4C3C-A269-3DE47AF9A12C}" dt="2023-12-07T23:28:28.614" v="254"/>
+        <pc:sldMkLst>
+          <pc:docMk/>
+          <pc:sldMk cId="2129311765" sldId="259"/>
+        </pc:sldMkLst>
+        <pc:picChg chg="add del mod ord">
+          <ac:chgData name="Mike Kadoshnikov" userId="43ffd5610eacfd72" providerId="Windows Live" clId="Web-{5401CBF7-7422-4C3C-A269-3DE47AF9A12C}" dt="2023-12-07T23:28:28.614" v="254"/>
+          <ac:picMkLst>
+            <pc:docMk/>
+            <pc:sldMk cId="2129311765" sldId="259"/>
+            <ac:picMk id="3" creationId="{61A33428-2828-653C-4704-74CE93D97900}"/>
+          </ac:picMkLst>
+        </pc:picChg>
+        <pc:picChg chg="mod">
+          <ac:chgData name="Mike Kadoshnikov" userId="43ffd5610eacfd72" providerId="Windows Live" clId="Web-{5401CBF7-7422-4C3C-A269-3DE47AF9A12C}" dt="2023-12-07T23:28:25.645" v="252" actId="1076"/>
+          <ac:picMkLst>
+            <pc:docMk/>
+            <pc:sldMk cId="2129311765" sldId="259"/>
+            <ac:picMk id="5" creationId="{47A6B162-1F6D-D85F-DB8A-3F162DEB1C16}"/>
+          </ac:picMkLst>
+        </pc:picChg>
+      </pc:sldChg>
+      <pc:sldChg chg="modSp">
+        <pc:chgData name="Mike Kadoshnikov" userId="43ffd5610eacfd72" providerId="Windows Live" clId="Web-{5401CBF7-7422-4C3C-A269-3DE47AF9A12C}" dt="2023-12-07T23:30:57.148" v="255" actId="14100"/>
+        <pc:sldMkLst>
+          <pc:docMk/>
+          <pc:sldMk cId="30273476" sldId="261"/>
+        </pc:sldMkLst>
+        <pc:spChg chg="mod">
+          <ac:chgData name="Mike Kadoshnikov" userId="43ffd5610eacfd72" providerId="Windows Live" clId="Web-{5401CBF7-7422-4C3C-A269-3DE47AF9A12C}" dt="2023-12-07T23:15:40.706" v="216" actId="20577"/>
+          <ac:spMkLst>
+            <pc:docMk/>
+            <pc:sldMk cId="30273476" sldId="261"/>
+            <ac:spMk id="3" creationId="{6DDF676A-940C-13E0-F30A-AE486FA7D813}"/>
+          </ac:spMkLst>
+        </pc:spChg>
+        <pc:picChg chg="mod">
+          <ac:chgData name="Mike Kadoshnikov" userId="43ffd5610eacfd72" providerId="Windows Live" clId="Web-{5401CBF7-7422-4C3C-A269-3DE47AF9A12C}" dt="2023-12-07T23:30:57.148" v="255" actId="14100"/>
+          <ac:picMkLst>
+            <pc:docMk/>
+            <pc:sldMk cId="30273476" sldId="261"/>
+            <ac:picMk id="5" creationId="{3162DAF2-21EF-B05E-6B3C-0A8C01ADA84A}"/>
+          </ac:picMkLst>
+        </pc:picChg>
+      </pc:sldChg>
+      <pc:sldChg chg="del">
+        <pc:chgData name="Mike Kadoshnikov" userId="43ffd5610eacfd72" providerId="Windows Live" clId="Web-{5401CBF7-7422-4C3C-A269-3DE47AF9A12C}" dt="2023-12-07T23:35:06.091" v="256"/>
+        <pc:sldMkLst>
+          <pc:docMk/>
+          <pc:sldMk cId="3029796646" sldId="264"/>
+        </pc:sldMkLst>
+      </pc:sldChg>
+      <pc:sldChg chg="delSp modSp new">
+        <pc:chgData name="Mike Kadoshnikov" userId="43ffd5610eacfd72" providerId="Windows Live" clId="Web-{5401CBF7-7422-4C3C-A269-3DE47AF9A12C}" dt="2023-12-07T23:56:50.854" v="267" actId="1076"/>
+        <pc:sldMkLst>
+          <pc:docMk/>
+          <pc:sldMk cId="3507538545" sldId="264"/>
+        </pc:sldMkLst>
+        <pc:spChg chg="mod">
+          <ac:chgData name="Mike Kadoshnikov" userId="43ffd5610eacfd72" providerId="Windows Live" clId="Web-{5401CBF7-7422-4C3C-A269-3DE47AF9A12C}" dt="2023-12-07T23:56:50.854" v="267" actId="1076"/>
+          <ac:spMkLst>
+            <pc:docMk/>
+            <pc:sldMk cId="3507538545" sldId="264"/>
+            <ac:spMk id="2" creationId="{344CD834-6DE8-1650-7CAD-B0CDC1A3D7F8}"/>
+          </ac:spMkLst>
+        </pc:spChg>
+        <pc:spChg chg="del">
+          <ac:chgData name="Mike Kadoshnikov" userId="43ffd5610eacfd72" providerId="Windows Live" clId="Web-{5401CBF7-7422-4C3C-A269-3DE47AF9A12C}" dt="2023-12-07T23:56:31.072" v="261"/>
+          <ac:spMkLst>
+            <pc:docMk/>
+            <pc:sldMk cId="3507538545" sldId="264"/>
+            <ac:spMk id="3" creationId="{0BA89870-65C3-D8BE-C456-976D4996504D}"/>
+          </ac:spMkLst>
+        </pc:spChg>
+      </pc:sldChg>
+    </pc:docChg>
+  </pc:docChgLst>
+  <pc:docChgLst>
+    <pc:chgData name="Jacob Tanner" userId="903dd14f5c575ef2" providerId="LiveId" clId="{7E81AB0B-3F0C-1347-A9E8-A764B2F8C4DD}"/>
+    <pc:docChg chg="undo redo custSel addSld delSld modSld sldOrd">
+      <pc:chgData name="Jacob Tanner" userId="903dd14f5c575ef2" providerId="LiveId" clId="{7E81AB0B-3F0C-1347-A9E8-A764B2F8C4DD}" dt="2023-12-08T22:45:57.138" v="3392" actId="20577"/>
+      <pc:docMkLst>
+        <pc:docMk/>
+      </pc:docMkLst>
+      <pc:sldChg chg="addSp delSp modSp mod ord">
+        <pc:chgData name="Jacob Tanner" userId="903dd14f5c575ef2" providerId="LiveId" clId="{7E81AB0B-3F0C-1347-A9E8-A764B2F8C4DD}" dt="2023-12-08T22:45:57.138" v="3392" actId="20577"/>
+        <pc:sldMkLst>
+          <pc:docMk/>
+          <pc:sldMk cId="1049184227" sldId="257"/>
+        </pc:sldMkLst>
+        <pc:spChg chg="mod">
+          <ac:chgData name="Jacob Tanner" userId="903dd14f5c575ef2" providerId="LiveId" clId="{7E81AB0B-3F0C-1347-A9E8-A764B2F8C4DD}" dt="2023-12-07T23:12:15.777" v="202" actId="20577"/>
+          <ac:spMkLst>
+            <pc:docMk/>
+            <pc:sldMk cId="1049184227" sldId="257"/>
+            <ac:spMk id="2" creationId="{7632B33C-B925-6637-B89B-D5AF599AF3CD}"/>
+          </ac:spMkLst>
+        </pc:spChg>
+        <pc:spChg chg="mod">
+          <ac:chgData name="Jacob Tanner" userId="903dd14f5c575ef2" providerId="LiveId" clId="{7E81AB0B-3F0C-1347-A9E8-A764B2F8C4DD}" dt="2023-12-08T22:45:57.138" v="3392" actId="20577"/>
+          <ac:spMkLst>
+            <pc:docMk/>
+            <pc:sldMk cId="1049184227" sldId="257"/>
+            <ac:spMk id="3" creationId="{8B4FDB48-9B62-9136-5CD4-247F139D28E2}"/>
+          </ac:spMkLst>
+        </pc:spChg>
+        <pc:picChg chg="add del mod">
+          <ac:chgData name="Jacob Tanner" userId="903dd14f5c575ef2" providerId="LiveId" clId="{7E81AB0B-3F0C-1347-A9E8-A764B2F8C4DD}" dt="2023-12-07T23:31:29.040" v="957" actId="21"/>
+          <ac:picMkLst>
+            <pc:docMk/>
+            <pc:sldMk cId="1049184227" sldId="257"/>
+            <ac:picMk id="4" creationId="{E54B71F9-EB3E-4456-0DA7-02A05A1D68B7}"/>
+          </ac:picMkLst>
+        </pc:picChg>
+        <pc:picChg chg="add mod">
+          <ac:chgData name="Jacob Tanner" userId="903dd14f5c575ef2" providerId="LiveId" clId="{7E81AB0B-3F0C-1347-A9E8-A764B2F8C4DD}" dt="2023-12-08T16:47:35.882" v="3376" actId="1076"/>
+          <ac:picMkLst>
+            <pc:docMk/>
+            <pc:sldMk cId="1049184227" sldId="257"/>
+            <ac:picMk id="4" creationId="{FDB7848C-A3F3-CCEC-3DEF-820BF05B7F39}"/>
+          </ac:picMkLst>
+        </pc:picChg>
+        <pc:picChg chg="add del mod">
+          <ac:chgData name="Jacob Tanner" userId="903dd14f5c575ef2" providerId="LiveId" clId="{7E81AB0B-3F0C-1347-A9E8-A764B2F8C4DD}" dt="2023-12-07T23:27:07.048" v="724" actId="21"/>
+          <ac:picMkLst>
+            <pc:docMk/>
+            <pc:sldMk cId="1049184227" sldId="257"/>
+            <ac:picMk id="5" creationId="{B82B3952-7781-B90C-B312-372BDC0DD165}"/>
+          </ac:picMkLst>
+        </pc:picChg>
+        <pc:picChg chg="add del">
+          <ac:chgData name="Jacob Tanner" userId="903dd14f5c575ef2" providerId="LiveId" clId="{7E81AB0B-3F0C-1347-A9E8-A764B2F8C4DD}" dt="2023-12-07T23:26:54.065" v="723" actId="478"/>
+          <ac:picMkLst>
+            <pc:docMk/>
+            <pc:sldMk cId="1049184227" sldId="257"/>
+            <ac:picMk id="6" creationId="{A4AEA00F-BEED-C7DD-8779-DB861DDEB4D2}"/>
+          </ac:picMkLst>
+        </pc:picChg>
+        <pc:picChg chg="add mod">
+          <ac:chgData name="Jacob Tanner" userId="903dd14f5c575ef2" providerId="LiveId" clId="{7E81AB0B-3F0C-1347-A9E8-A764B2F8C4DD}" dt="2023-12-08T16:47:38.253" v="3377" actId="1076"/>
+          <ac:picMkLst>
+            <pc:docMk/>
+            <pc:sldMk cId="1049184227" sldId="257"/>
+            <ac:picMk id="7" creationId="{C671BB59-59F8-1588-5619-0F22D45A512E}"/>
+          </ac:picMkLst>
+        </pc:picChg>
+      </pc:sldChg>
+      <pc:sldChg chg="addSp delSp modSp new del mod ord">
+        <pc:chgData name="Jacob Tanner" userId="903dd14f5c575ef2" providerId="LiveId" clId="{7E81AB0B-3F0C-1347-A9E8-A764B2F8C4DD}" dt="2023-12-08T16:47:50.029" v="3378" actId="2696"/>
+        <pc:sldMkLst>
+          <pc:docMk/>
+          <pc:sldMk cId="1266545014" sldId="262"/>
+        </pc:sldMkLst>
+        <pc:spChg chg="mod">
+          <ac:chgData name="Jacob Tanner" userId="903dd14f5c575ef2" providerId="LiveId" clId="{7E81AB0B-3F0C-1347-A9E8-A764B2F8C4DD}" dt="2023-12-07T23:14:33.475" v="545" actId="20577"/>
+          <ac:spMkLst>
+            <pc:docMk/>
+            <pc:sldMk cId="1266545014" sldId="262"/>
+            <ac:spMk id="2" creationId="{BC52C594-2DAD-00EA-D5FA-7C2E778CCDE7}"/>
+          </ac:spMkLst>
+        </pc:spChg>
+        <pc:spChg chg="mod">
+          <ac:chgData name="Jacob Tanner" userId="903dd14f5c575ef2" providerId="LiveId" clId="{7E81AB0B-3F0C-1347-A9E8-A764B2F8C4DD}" dt="2023-12-07T23:48:10.845" v="1486" actId="20577"/>
+          <ac:spMkLst>
+            <pc:docMk/>
+            <pc:sldMk cId="1266545014" sldId="262"/>
+            <ac:spMk id="3" creationId="{C62BAE05-83E4-3077-3288-7A11DC49770C}"/>
+          </ac:spMkLst>
+        </pc:spChg>
+        <pc:picChg chg="add del mod">
+          <ac:chgData name="Jacob Tanner" userId="903dd14f5c575ef2" providerId="LiveId" clId="{7E81AB0B-3F0C-1347-A9E8-A764B2F8C4DD}" dt="2023-12-08T16:47:18.847" v="3369" actId="21"/>
+          <ac:picMkLst>
+            <pc:docMk/>
+            <pc:sldMk cId="1266545014" sldId="262"/>
+            <ac:picMk id="4" creationId="{F38D3100-16E4-1E0E-9E2C-DB3EE4BCD083}"/>
+          </ac:picMkLst>
+        </pc:picChg>
+      </pc:sldChg>
+      <pc:sldChg chg="addSp delSp modSp new mod">
+        <pc:chgData name="Jacob Tanner" userId="903dd14f5c575ef2" providerId="LiveId" clId="{7E81AB0B-3F0C-1347-A9E8-A764B2F8C4DD}" dt="2023-12-08T16:09:56.013" v="3218" actId="20577"/>
+        <pc:sldMkLst>
+          <pc:docMk/>
+          <pc:sldMk cId="3794790664" sldId="263"/>
+        </pc:sldMkLst>
+        <pc:spChg chg="mod">
+          <ac:chgData name="Jacob Tanner" userId="903dd14f5c575ef2" providerId="LiveId" clId="{7E81AB0B-3F0C-1347-A9E8-A764B2F8C4DD}" dt="2023-12-07T23:16:43.269" v="672" actId="20577"/>
+          <ac:spMkLst>
+            <pc:docMk/>
+            <pc:sldMk cId="3794790664" sldId="263"/>
+            <ac:spMk id="2" creationId="{0D6B8184-6568-6312-A4ED-00808EE31E75}"/>
+          </ac:spMkLst>
+        </pc:spChg>
+        <pc:spChg chg="mod">
+          <ac:chgData name="Jacob Tanner" userId="903dd14f5c575ef2" providerId="LiveId" clId="{7E81AB0B-3F0C-1347-A9E8-A764B2F8C4DD}" dt="2023-12-08T16:09:56.013" v="3218" actId="20577"/>
+          <ac:spMkLst>
+            <pc:docMk/>
+            <pc:sldMk cId="3794790664" sldId="263"/>
+            <ac:spMk id="3" creationId="{5B5C4658-585F-B08A-5E48-73686DB0A98B}"/>
+          </ac:spMkLst>
+        </pc:spChg>
+        <pc:spChg chg="add del mod">
+          <ac:chgData name="Jacob Tanner" userId="903dd14f5c575ef2" providerId="LiveId" clId="{7E81AB0B-3F0C-1347-A9E8-A764B2F8C4DD}" dt="2023-12-08T00:13:16.881" v="1505"/>
+          <ac:spMkLst>
+            <pc:docMk/>
+            <pc:sldMk cId="3794790664" sldId="263"/>
+            <ac:spMk id="7" creationId="{36708DD2-1436-24AE-5A21-AC58FC72A98C}"/>
+          </ac:spMkLst>
+        </pc:spChg>
+        <pc:picChg chg="add del mod">
+          <ac:chgData name="Jacob Tanner" userId="903dd14f5c575ef2" providerId="LiveId" clId="{7E81AB0B-3F0C-1347-A9E8-A764B2F8C4DD}" dt="2023-12-07T23:27:13.076" v="726"/>
+          <ac:picMkLst>
+            <pc:docMk/>
+            <pc:sldMk cId="3794790664" sldId="263"/>
+            <ac:picMk id="4" creationId="{1F3F60E8-5550-A1DC-CA65-641183E44853}"/>
+          </ac:picMkLst>
+        </pc:picChg>
+        <pc:picChg chg="add del mod">
+          <ac:chgData name="Jacob Tanner" userId="903dd14f5c575ef2" providerId="LiveId" clId="{7E81AB0B-3F0C-1347-A9E8-A764B2F8C4DD}" dt="2023-12-08T00:10:56.214" v="1492" actId="478"/>
+          <ac:picMkLst>
+            <pc:docMk/>
+            <pc:sldMk cId="3794790664" sldId="263"/>
+            <ac:picMk id="5" creationId="{C7F30568-EDCB-5102-39C4-8403E01B6EA8}"/>
+          </ac:picMkLst>
+        </pc:picChg>
+        <pc:picChg chg="add mod">
+          <ac:chgData name="Jacob Tanner" userId="903dd14f5c575ef2" providerId="LiveId" clId="{7E81AB0B-3F0C-1347-A9E8-A764B2F8C4DD}" dt="2023-12-08T00:28:18.589" v="2106" actId="1076"/>
+          <ac:picMkLst>
+            <pc:docMk/>
+            <pc:sldMk cId="3794790664" sldId="263"/>
+            <ac:picMk id="6" creationId="{0D571E70-FE6F-84D1-57DD-740F5E3762AF}"/>
+          </ac:picMkLst>
+        </pc:picChg>
+        <pc:picChg chg="add del mod">
+          <ac:chgData name="Jacob Tanner" userId="903dd14f5c575ef2" providerId="LiveId" clId="{7E81AB0B-3F0C-1347-A9E8-A764B2F8C4DD}" dt="2023-12-08T00:13:15.911" v="1503" actId="478"/>
+          <ac:picMkLst>
+            <pc:docMk/>
+            <pc:sldMk cId="3794790664" sldId="263"/>
+            <ac:picMk id="8" creationId="{7A27244E-16E1-9E10-4628-D6C4EFD6519E}"/>
+          </ac:picMkLst>
+        </pc:picChg>
+        <pc:picChg chg="add mod">
+          <ac:chgData name="Jacob Tanner" userId="903dd14f5c575ef2" providerId="LiveId" clId="{7E81AB0B-3F0C-1347-A9E8-A764B2F8C4DD}" dt="2023-12-08T00:25:02.497" v="2002" actId="1076"/>
+          <ac:picMkLst>
+            <pc:docMk/>
+            <pc:sldMk cId="3794790664" sldId="263"/>
+            <ac:picMk id="9" creationId="{FE4C4E39-B13B-2E58-9EB4-4701E2935DEF}"/>
+          </ac:picMkLst>
+        </pc:picChg>
+        <pc:picChg chg="add mod">
+          <ac:chgData name="Jacob Tanner" userId="903dd14f5c575ef2" providerId="LiveId" clId="{7E81AB0B-3F0C-1347-A9E8-A764B2F8C4DD}" dt="2023-12-08T00:46:13.922" v="3087" actId="1076"/>
+          <ac:picMkLst>
+            <pc:docMk/>
+            <pc:sldMk cId="3794790664" sldId="263"/>
+            <ac:picMk id="10" creationId="{44CA9663-7BFE-3E68-51E8-F1CA83CE82AD}"/>
+          </ac:picMkLst>
+        </pc:picChg>
+        <pc:picChg chg="add mod">
+          <ac:chgData name="Jacob Tanner" userId="903dd14f5c575ef2" providerId="LiveId" clId="{7E81AB0B-3F0C-1347-A9E8-A764B2F8C4DD}" dt="2023-12-08T00:46:43.368" v="3092" actId="1076"/>
+          <ac:picMkLst>
+            <pc:docMk/>
+            <pc:sldMk cId="3794790664" sldId="263"/>
+            <ac:picMk id="11" creationId="{07362457-96DD-6594-2229-73F5F19B1FEE}"/>
+          </ac:picMkLst>
+        </pc:picChg>
+      </pc:sldChg>
+      <pc:sldChg chg="modSp new mod ord">
+        <pc:chgData name="Jacob Tanner" userId="903dd14f5c575ef2" providerId="LiveId" clId="{7E81AB0B-3F0C-1347-A9E8-A764B2F8C4DD}" dt="2023-12-07T23:20:49.679" v="710" actId="20577"/>
+        <pc:sldMkLst>
+          <pc:docMk/>
+          <pc:sldMk cId="3029796646" sldId="264"/>
+        </pc:sldMkLst>
+        <pc:spChg chg="mod">
+          <ac:chgData name="Jacob Tanner" userId="903dd14f5c575ef2" providerId="LiveId" clId="{7E81AB0B-3F0C-1347-A9E8-A764B2F8C4DD}" dt="2023-12-07T23:20:49.679" v="710" actId="20577"/>
+          <ac:spMkLst>
+            <pc:docMk/>
+            <pc:sldMk cId="3029796646" sldId="264"/>
+            <ac:spMk id="2" creationId="{1A1FAB0E-D5A7-C1AD-7E45-C3373ECB237A}"/>
+          </ac:spMkLst>
+        </pc:spChg>
+      </pc:sldChg>
+      <pc:sldChg chg="addSp delSp modSp new mod">
+        <pc:chgData name="Jacob Tanner" userId="903dd14f5c575ef2" providerId="LiveId" clId="{7E81AB0B-3F0C-1347-A9E8-A764B2F8C4DD}" dt="2023-12-08T21:44:51.616" v="3388" actId="20577"/>
+        <pc:sldMkLst>
+          <pc:docMk/>
+          <pc:sldMk cId="2444037556" sldId="265"/>
+        </pc:sldMkLst>
+        <pc:spChg chg="mod">
+          <ac:chgData name="Jacob Tanner" userId="903dd14f5c575ef2" providerId="LiveId" clId="{7E81AB0B-3F0C-1347-A9E8-A764B2F8C4DD}" dt="2023-12-08T00:40:20.155" v="2990" actId="20577"/>
+          <ac:spMkLst>
+            <pc:docMk/>
+            <pc:sldMk cId="2444037556" sldId="265"/>
+            <ac:spMk id="2" creationId="{BF992D0A-15DD-545D-6123-BB0C01EDF97A}"/>
+          </ac:spMkLst>
+        </pc:spChg>
+        <pc:spChg chg="mod">
+          <ac:chgData name="Jacob Tanner" userId="903dd14f5c575ef2" providerId="LiveId" clId="{7E81AB0B-3F0C-1347-A9E8-A764B2F8C4DD}" dt="2023-12-08T21:44:51.616" v="3388" actId="20577"/>
+          <ac:spMkLst>
+            <pc:docMk/>
+            <pc:sldMk cId="2444037556" sldId="265"/>
+            <ac:spMk id="3" creationId="{294FDA61-7FE6-1A0D-CF07-9BB58D81CC7B}"/>
+          </ac:spMkLst>
+        </pc:spChg>
+        <pc:picChg chg="add del mod">
+          <ac:chgData name="Jacob Tanner" userId="903dd14f5c575ef2" providerId="LiveId" clId="{7E81AB0B-3F0C-1347-A9E8-A764B2F8C4DD}" dt="2023-12-08T00:47:34.551" v="3100" actId="478"/>
+          <ac:picMkLst>
+            <pc:docMk/>
+            <pc:sldMk cId="2444037556" sldId="265"/>
+            <ac:picMk id="4" creationId="{E8AF91CC-93BC-D3B4-BD08-98A6B9207C2F}"/>
+          </ac:picMkLst>
+        </pc:picChg>
+        <pc:picChg chg="add del mod">
+          <ac:chgData name="Jacob Tanner" userId="903dd14f5c575ef2" providerId="LiveId" clId="{7E81AB0B-3F0C-1347-A9E8-A764B2F8C4DD}" dt="2023-12-08T00:47:35.985" v="3101" actId="478"/>
+          <ac:picMkLst>
+            <pc:docMk/>
+            <pc:sldMk cId="2444037556" sldId="265"/>
+            <ac:picMk id="5" creationId="{00532CDE-333C-8D4B-C8E0-7ECE6C08D920}"/>
+          </ac:picMkLst>
+        </pc:picChg>
+      </pc:sldChg>
+    </pc:docChg>
+  </pc:docChgLst>
+</pc:chgInfo>
+</file>
+
 <file path=ppt/slideLayouts/slideLayout1.xml><?xml version="1.0" encoding="utf-8"?>
 <p:sldLayout xmlns:a="http://schemas.openxmlformats.org/drawingml/2006/main" xmlns:r="http://schemas.openxmlformats.org/officeDocument/2006/relationships" xmlns:p="http://schemas.openxmlformats.org/presentationml/2006/main" showMasterSp="0" type="title" preserve="1">
   <p:cSld name="Title Slide">
@@ -176,7 +569,6 @@
               <a:rPr lang="en-US"/>
               <a:t>Click to edit Master title style</a:t>
             </a:r>
-            <a:endParaRPr lang="en-US" dirty="0"/>
           </a:p>
         </p:txBody>
       </p:sp>
@@ -252,7 +644,6 @@
               <a:rPr lang="en-US"/>
               <a:t>Click to edit Master subtitle style</a:t>
             </a:r>
-            <a:endParaRPr lang="en-US" dirty="0"/>
           </a:p>
         </p:txBody>
       </p:sp>
@@ -287,9 +678,9 @@
             <a:fld id="{87DE6118-2437-4B30-8E3C-4D2BE6020583}" type="datetimeFigureOut">
               <a:rPr lang="en-US" dirty="0"/>
               <a:pPr/>
-              <a:t>12/7/2023</a:t>
+              <a:t>12/8/2023</a:t>
             </a:fld>
-            <a:endParaRPr lang="en-US" dirty="0"/>
+            <a:endParaRPr lang="en-US"/>
           </a:p>
         </p:txBody>
       </p:sp>
@@ -321,7 +712,7 @@
             </a:lvl1pPr>
           </a:lstStyle>
           <a:p>
-            <a:endParaRPr lang="en-US" dirty="0"/>
+            <a:endParaRPr lang="en-US"/>
           </a:p>
         </p:txBody>
       </p:sp>
@@ -358,7 +749,7 @@
               <a:pPr/>
               <a:t>‹#›</a:t>
             </a:fld>
-            <a:endParaRPr lang="en-US" dirty="0"/>
+            <a:endParaRPr lang="en-US"/>
           </a:p>
         </p:txBody>
       </p:sp>
@@ -535,7 +926,6 @@
               <a:rPr lang="en-US"/>
               <a:t>Click to edit Master title style</a:t>
             </a:r>
-            <a:endParaRPr lang="en-US" dirty="0"/>
           </a:p>
         </p:txBody>
       </p:sp>
@@ -592,7 +982,6 @@
               <a:rPr lang="en-US"/>
               <a:t>Fifth level</a:t>
             </a:r>
-            <a:endParaRPr lang="en-US" dirty="0"/>
           </a:p>
         </p:txBody>
       </p:sp>
@@ -613,9 +1002,9 @@
           <a:p>
             <a:fld id="{87DE6118-2437-4B30-8E3C-4D2BE6020583}" type="datetimeFigureOut">
               <a:rPr lang="en-US" dirty="0"/>
-              <a:t>12/7/2023</a:t>
+              <a:t>12/8/2023</a:t>
             </a:fld>
-            <a:endParaRPr lang="en-US" dirty="0"/>
+            <a:endParaRPr lang="en-US"/>
           </a:p>
         </p:txBody>
       </p:sp>
@@ -634,7 +1023,7 @@
           <a:bodyPr/>
           <a:lstStyle/>
           <a:p>
-            <a:endParaRPr lang="en-US" dirty="0"/>
+            <a:endParaRPr lang="en-US"/>
           </a:p>
         </p:txBody>
       </p:sp>
@@ -657,7 +1046,7 @@
               <a:rPr lang="en-US" dirty="0"/>
               <a:t>‹#›</a:t>
             </a:fld>
-            <a:endParaRPr lang="en-US" dirty="0"/>
+            <a:endParaRPr lang="en-US"/>
           </a:p>
         </p:txBody>
       </p:sp>
@@ -710,7 +1099,6 @@
               <a:rPr lang="en-US"/>
               <a:t>Click to edit Master title style</a:t>
             </a:r>
-            <a:endParaRPr lang="en-US" dirty="0"/>
           </a:p>
         </p:txBody>
       </p:sp>
@@ -767,7 +1155,6 @@
               <a:rPr lang="en-US"/>
               <a:t>Fifth level</a:t>
             </a:r>
-            <a:endParaRPr lang="en-US" dirty="0"/>
           </a:p>
         </p:txBody>
       </p:sp>
@@ -788,9 +1175,9 @@
           <a:p>
             <a:fld id="{87DE6118-2437-4B30-8E3C-4D2BE6020583}" type="datetimeFigureOut">
               <a:rPr lang="en-US" dirty="0"/>
-              <a:t>12/7/2023</a:t>
+              <a:t>12/8/2023</a:t>
             </a:fld>
-            <a:endParaRPr lang="en-US" dirty="0"/>
+            <a:endParaRPr lang="en-US"/>
           </a:p>
         </p:txBody>
       </p:sp>
@@ -809,7 +1196,7 @@
           <a:bodyPr/>
           <a:lstStyle/>
           <a:p>
-            <a:endParaRPr lang="en-US" dirty="0"/>
+            <a:endParaRPr lang="en-US"/>
           </a:p>
         </p:txBody>
       </p:sp>
@@ -832,7 +1219,7 @@
               <a:rPr lang="en-US" dirty="0"/>
               <a:t>‹#›</a:t>
             </a:fld>
-            <a:endParaRPr lang="en-US" dirty="0"/>
+            <a:endParaRPr lang="en-US"/>
           </a:p>
         </p:txBody>
       </p:sp>
@@ -880,7 +1267,6 @@
               <a:rPr lang="en-US"/>
               <a:t>Click to edit Master title style</a:t>
             </a:r>
-            <a:endParaRPr lang="en-US" dirty="0"/>
           </a:p>
         </p:txBody>
       </p:sp>
@@ -932,7 +1318,6 @@
               <a:rPr lang="en-US"/>
               <a:t>Fifth level</a:t>
             </a:r>
-            <a:endParaRPr lang="en-US" dirty="0"/>
           </a:p>
         </p:txBody>
       </p:sp>
@@ -953,9 +1338,9 @@
           <a:p>
             <a:fld id="{87DE6118-2437-4B30-8E3C-4D2BE6020583}" type="datetimeFigureOut">
               <a:rPr lang="en-US" dirty="0"/>
-              <a:t>12/7/2023</a:t>
+              <a:t>12/8/2023</a:t>
             </a:fld>
-            <a:endParaRPr lang="en-US" dirty="0"/>
+            <a:endParaRPr lang="en-US"/>
           </a:p>
         </p:txBody>
       </p:sp>
@@ -974,7 +1359,7 @@
           <a:bodyPr/>
           <a:lstStyle/>
           <a:p>
-            <a:endParaRPr lang="en-US" dirty="0"/>
+            <a:endParaRPr lang="en-US"/>
           </a:p>
         </p:txBody>
       </p:sp>
@@ -997,7 +1382,7 @@
               <a:rPr lang="en-US" dirty="0"/>
               <a:t>‹#›</a:t>
             </a:fld>
-            <a:endParaRPr lang="en-US" dirty="0"/>
+            <a:endParaRPr lang="en-US"/>
           </a:p>
         </p:txBody>
       </p:sp>
@@ -1065,7 +1450,6 @@
               <a:rPr lang="en-US"/>
               <a:t>Click to edit Master title style</a:t>
             </a:r>
-            <a:endParaRPr lang="en-US" dirty="0"/>
           </a:p>
         </p:txBody>
       </p:sp>
@@ -1226,9 +1610,9 @@
             <a:fld id="{87DE6118-2437-4B30-8E3C-4D2BE6020583}" type="datetimeFigureOut">
               <a:rPr lang="en-US" dirty="0"/>
               <a:pPr/>
-              <a:t>12/7/2023</a:t>
+              <a:t>12/8/2023</a:t>
             </a:fld>
-            <a:endParaRPr lang="en-US" dirty="0"/>
+            <a:endParaRPr lang="en-US"/>
           </a:p>
         </p:txBody>
       </p:sp>
@@ -1260,7 +1644,7 @@
             </a:lvl1pPr>
           </a:lstStyle>
           <a:p>
-            <a:endParaRPr lang="en-US" dirty="0"/>
+            <a:endParaRPr lang="en-US"/>
           </a:p>
         </p:txBody>
       </p:sp>
@@ -1297,7 +1681,7 @@
               <a:pPr/>
               <a:t>‹#›</a:t>
             </a:fld>
-            <a:endParaRPr lang="en-US" dirty="0"/>
+            <a:endParaRPr lang="en-US"/>
           </a:p>
         </p:txBody>
       </p:sp>
@@ -1409,7 +1793,6 @@
               <a:rPr lang="en-US"/>
               <a:t>Click to edit Master title style</a:t>
             </a:r>
-            <a:endParaRPr lang="en-US" dirty="0"/>
           </a:p>
         </p:txBody>
       </p:sp>
@@ -1502,7 +1885,6 @@
               <a:rPr lang="en-US"/>
               <a:t>Fifth level</a:t>
             </a:r>
-            <a:endParaRPr lang="en-US" dirty="0"/>
           </a:p>
         </p:txBody>
       </p:sp>
@@ -1595,7 +1977,6 @@
               <a:rPr lang="en-US"/>
               <a:t>Fifth level</a:t>
             </a:r>
-            <a:endParaRPr lang="en-US" dirty="0"/>
           </a:p>
         </p:txBody>
       </p:sp>
@@ -1616,9 +1997,9 @@
           <a:p>
             <a:fld id="{87DE6118-2437-4B30-8E3C-4D2BE6020583}" type="datetimeFigureOut">
               <a:rPr lang="en-US" dirty="0"/>
-              <a:t>12/7/2023</a:t>
+              <a:t>12/8/2023</a:t>
             </a:fld>
-            <a:endParaRPr lang="en-US" dirty="0"/>
+            <a:endParaRPr lang="en-US"/>
           </a:p>
         </p:txBody>
       </p:sp>
@@ -1637,7 +2018,7 @@
           <a:bodyPr/>
           <a:lstStyle/>
           <a:p>
-            <a:endParaRPr lang="en-US" dirty="0"/>
+            <a:endParaRPr lang="en-US"/>
           </a:p>
         </p:txBody>
       </p:sp>
@@ -1660,7 +2041,7 @@
               <a:rPr lang="en-US" dirty="0"/>
               <a:t>‹#›</a:t>
             </a:fld>
-            <a:endParaRPr lang="en-US" dirty="0"/>
+            <a:endParaRPr lang="en-US"/>
           </a:p>
         </p:txBody>
       </p:sp>
@@ -1721,7 +2102,6 @@
               <a:rPr lang="en-US"/>
               <a:t>Click to edit Master title style</a:t>
             </a:r>
-            <a:endParaRPr lang="en-US" dirty="0"/>
           </a:p>
         </p:txBody>
       </p:sp>
@@ -1894,7 +2274,6 @@
               <a:rPr lang="en-US"/>
               <a:t>Fifth level</a:t>
             </a:r>
-            <a:endParaRPr lang="en-US" dirty="0"/>
           </a:p>
         </p:txBody>
       </p:sp>
@@ -2067,7 +2446,6 @@
               <a:rPr lang="en-US"/>
               <a:t>Fifth level</a:t>
             </a:r>
-            <a:endParaRPr lang="en-US" dirty="0"/>
           </a:p>
         </p:txBody>
       </p:sp>
@@ -2088,9 +2466,9 @@
           <a:p>
             <a:fld id="{87DE6118-2437-4B30-8E3C-4D2BE6020583}" type="datetimeFigureOut">
               <a:rPr lang="en-US" dirty="0"/>
-              <a:t>12/7/2023</a:t>
+              <a:t>12/8/2023</a:t>
             </a:fld>
-            <a:endParaRPr lang="en-US" dirty="0"/>
+            <a:endParaRPr lang="en-US"/>
           </a:p>
         </p:txBody>
       </p:sp>
@@ -2109,7 +2487,7 @@
           <a:bodyPr/>
           <a:lstStyle/>
           <a:p>
-            <a:endParaRPr lang="en-US" dirty="0"/>
+            <a:endParaRPr lang="en-US"/>
           </a:p>
         </p:txBody>
       </p:sp>
@@ -2132,7 +2510,7 @@
               <a:rPr lang="en-US" dirty="0"/>
               <a:t>‹#›</a:t>
             </a:fld>
-            <a:endParaRPr lang="en-US" dirty="0"/>
+            <a:endParaRPr lang="en-US"/>
           </a:p>
         </p:txBody>
       </p:sp>
@@ -2180,7 +2558,6 @@
               <a:rPr lang="en-US"/>
               <a:t>Click to edit Master title style</a:t>
             </a:r>
-            <a:endParaRPr lang="en-US" dirty="0"/>
           </a:p>
         </p:txBody>
       </p:sp>
@@ -2201,9 +2578,9 @@
           <a:p>
             <a:fld id="{87DE6118-2437-4B30-8E3C-4D2BE6020583}" type="datetimeFigureOut">
               <a:rPr lang="en-US" dirty="0"/>
-              <a:t>12/7/2023</a:t>
+              <a:t>12/8/2023</a:t>
             </a:fld>
-            <a:endParaRPr lang="en-US" dirty="0"/>
+            <a:endParaRPr lang="en-US"/>
           </a:p>
         </p:txBody>
       </p:sp>
@@ -2222,7 +2599,7 @@
           <a:bodyPr/>
           <a:lstStyle/>
           <a:p>
-            <a:endParaRPr lang="en-US" dirty="0"/>
+            <a:endParaRPr lang="en-US"/>
           </a:p>
         </p:txBody>
       </p:sp>
@@ -2245,7 +2622,7 @@
               <a:rPr lang="en-US" dirty="0"/>
               <a:t>‹#›</a:t>
             </a:fld>
-            <a:endParaRPr lang="en-US" dirty="0"/>
+            <a:endParaRPr lang="en-US"/>
           </a:p>
         </p:txBody>
       </p:sp>
@@ -2291,9 +2668,9 @@
           <a:p>
             <a:fld id="{87DE6118-2437-4B30-8E3C-4D2BE6020583}" type="datetimeFigureOut">
               <a:rPr lang="en-US" dirty="0"/>
-              <a:t>12/7/2023</a:t>
+              <a:t>12/8/2023</a:t>
             </a:fld>
-            <a:endParaRPr lang="en-US" dirty="0"/>
+            <a:endParaRPr lang="en-US"/>
           </a:p>
         </p:txBody>
       </p:sp>
@@ -2312,7 +2689,7 @@
           <a:bodyPr/>
           <a:lstStyle/>
           <a:p>
-            <a:endParaRPr lang="en-US" dirty="0"/>
+            <a:endParaRPr lang="en-US"/>
           </a:p>
         </p:txBody>
       </p:sp>
@@ -2335,7 +2712,7 @@
               <a:rPr lang="en-US" dirty="0"/>
               <a:t>‹#›</a:t>
             </a:fld>
-            <a:endParaRPr lang="en-US" dirty="0"/>
+            <a:endParaRPr lang="en-US"/>
           </a:p>
         </p:txBody>
       </p:sp>
@@ -2439,7 +2816,6 @@
               <a:rPr lang="en-US"/>
               <a:t>Click to edit Master title style</a:t>
             </a:r>
-            <a:endParaRPr lang="en-US" dirty="0"/>
           </a:p>
         </p:txBody>
       </p:sp>
@@ -2524,7 +2900,6 @@
               <a:rPr lang="en-US"/>
               <a:t>Fifth level</a:t>
             </a:r>
-            <a:endParaRPr lang="en-US" dirty="0"/>
           </a:p>
         </p:txBody>
       </p:sp>
@@ -2633,9 +3008,9 @@
             <a:fld id="{87DE6118-2437-4B30-8E3C-4D2BE6020583}" type="datetimeFigureOut">
               <a:rPr lang="en-US" dirty="0"/>
               <a:pPr/>
-              <a:t>12/7/2023</a:t>
+              <a:t>12/8/2023</a:t>
             </a:fld>
-            <a:endParaRPr lang="en-US" dirty="0"/>
+            <a:endParaRPr lang="en-US"/>
           </a:p>
         </p:txBody>
       </p:sp>
@@ -2667,7 +3042,7 @@
             </a:lvl1pPr>
           </a:lstStyle>
           <a:p>
-            <a:endParaRPr lang="en-US" dirty="0"/>
+            <a:endParaRPr lang="en-US"/>
           </a:p>
         </p:txBody>
       </p:sp>
@@ -2704,7 +3079,7 @@
               <a:pPr/>
               <a:t>‹#›</a:t>
             </a:fld>
-            <a:endParaRPr lang="en-US" dirty="0"/>
+            <a:endParaRPr lang="en-US"/>
           </a:p>
         </p:txBody>
       </p:sp>
@@ -2842,7 +3217,6 @@
               <a:rPr lang="en-US"/>
               <a:t>Click to edit Master title style</a:t>
             </a:r>
-            <a:endParaRPr lang="en-US" dirty="0"/>
           </a:p>
         </p:txBody>
       </p:sp>
@@ -2909,7 +3283,6 @@
               <a:rPr lang="en-US"/>
               <a:t>Click icon to add picture</a:t>
             </a:r>
-            <a:endParaRPr lang="en-US" dirty="0"/>
           </a:p>
         </p:txBody>
       </p:sp>
@@ -3018,9 +3391,9 @@
             <a:fld id="{87DE6118-2437-4B30-8E3C-4D2BE6020583}" type="datetimeFigureOut">
               <a:rPr lang="en-US" dirty="0"/>
               <a:pPr/>
-              <a:t>12/7/2023</a:t>
+              <a:t>12/8/2023</a:t>
             </a:fld>
-            <a:endParaRPr lang="en-US" dirty="0"/>
+            <a:endParaRPr lang="en-US"/>
           </a:p>
         </p:txBody>
       </p:sp>
@@ -3052,7 +3425,7 @@
             </a:lvl1pPr>
           </a:lstStyle>
           <a:p>
-            <a:endParaRPr lang="en-US" dirty="0"/>
+            <a:endParaRPr lang="en-US"/>
           </a:p>
         </p:txBody>
       </p:sp>
@@ -3089,7 +3462,7 @@
               <a:pPr/>
               <a:t>‹#›</a:t>
             </a:fld>
-            <a:endParaRPr lang="en-US" dirty="0"/>
+            <a:endParaRPr lang="en-US"/>
           </a:p>
         </p:txBody>
       </p:sp>
@@ -3193,7 +3566,6 @@
               <a:rPr lang="en-US"/>
               <a:t>Click to edit Master title style</a:t>
             </a:r>
-            <a:endParaRPr lang="en-US" dirty="0"/>
           </a:p>
         </p:txBody>
       </p:sp>
@@ -3255,7 +3627,6 @@
               <a:rPr lang="en-US"/>
               <a:t>Fifth level</a:t>
             </a:r>
-            <a:endParaRPr lang="en-US" dirty="0"/>
           </a:p>
         </p:txBody>
       </p:sp>
@@ -3293,9 +3664,9 @@
             <a:fld id="{87DE6118-2437-4B30-8E3C-4D2BE6020583}" type="datetimeFigureOut">
               <a:rPr lang="en-US" dirty="0"/>
               <a:pPr/>
-              <a:t>12/7/2023</a:t>
+              <a:t>12/8/2023</a:t>
             </a:fld>
-            <a:endParaRPr lang="en-US" dirty="0"/>
+            <a:endParaRPr lang="en-US"/>
           </a:p>
         </p:txBody>
       </p:sp>
@@ -3330,7 +3701,7 @@
             </a:lvl1pPr>
           </a:lstStyle>
           <a:p>
-            <a:endParaRPr lang="en-US" dirty="0"/>
+            <a:endParaRPr lang="en-US"/>
           </a:p>
         </p:txBody>
       </p:sp>
@@ -3370,7 +3741,7 @@
               <a:pPr/>
               <a:t>‹#›</a:t>
             </a:fld>
-            <a:endParaRPr lang="en-US" dirty="0"/>
+            <a:endParaRPr lang="en-US"/>
           </a:p>
         </p:txBody>
       </p:sp>
@@ -3903,7 +4274,7 @@
               </a:spcAft>
             </a:pPr>
             <a:r>
-              <a:rPr lang="en-US" dirty="0"/>
+              <a:rPr lang="en-US"/>
               <a:t>By Jacob Tanner and Mike Kadoshnikov</a:t>
             </a:r>
           </a:p>
@@ -4153,14 +4524,9 @@
           <a:lstStyle/>
           <a:p>
             <a:r>
-              <a:rPr lang="en-US" dirty="0"/>
-              <a:t>The man </a:t>
-            </a:r>
-            <a:r>
-              <a:rPr lang="en-US"/>
-              <a:t>who started it all!</a:t>
-            </a:r>
-            <a:endParaRPr lang="en-US" dirty="0"/>
+              <a:rPr lang="en-US"/>
+              <a:t>The man who started it all!</a:t>
+            </a:r>
           </a:p>
         </p:txBody>
       </p:sp>
@@ -4245,7 +4611,7 @@
           <a:lstStyle/>
           <a:p>
             <a:r>
-              <a:rPr lang="en-US" dirty="0"/>
+              <a:rPr lang="en-US"/>
               <a:t>HTMX w/ Python</a:t>
             </a:r>
           </a:p>
@@ -4274,22 +4640,23 @@
           </a:xfrm>
         </p:spPr>
         <p:txBody>
-          <a:bodyPr/>
+          <a:bodyPr vert="horz" lIns="91440" tIns="45720" rIns="91440" bIns="45720" rtlCol="0" anchor="t">
+            <a:normAutofit/>
+          </a:bodyPr>
           <a:lstStyle/>
           <a:p>
-            <a:r>
-              <a:rPr lang="en-US" dirty="0"/>
+            <a:pPr marL="383540" indent="-383540"/>
+            <a:r>
+              <a:rPr lang="en-US"/>
               <a:t>Our framework of choice is Flask Python Backend, with HTMX.</a:t>
             </a:r>
           </a:p>
           <a:p>
-            <a:r>
-              <a:rPr lang="en-US" dirty="0"/>
-              <a:t>How do I use HTMX with Python? (to answer the question nobody asked)</a:t>
-            </a:r>
-          </a:p>
-          <a:p>
-            <a:endParaRPr lang="en-US" dirty="0"/>
+            <a:pPr marL="383540" indent="-383540"/>
+            <a:r>
+              <a:rPr lang="en-US"/>
+              <a:t>How do I use HTMX with Python?</a:t>
+            </a:r>
           </a:p>
         </p:txBody>
       </p:sp>
@@ -4315,7 +4682,7 @@
         </p:blipFill>
         <p:spPr>
           <a:xfrm>
-            <a:off x="1371600" y="2811294"/>
+            <a:off x="1361017" y="2895961"/>
             <a:ext cx="10139256" cy="1635603"/>
           </a:xfrm>
           <a:prstGeom prst="rect">
@@ -4347,6 +4714,36 @@
           <a:xfrm>
             <a:off x="1358630" y="4804241"/>
             <a:ext cx="10165052" cy="1485900"/>
+          </a:xfrm>
+          <a:prstGeom prst="rect">
+            <a:avLst/>
+          </a:prstGeom>
+        </p:spPr>
+      </p:pic>
+      <p:pic>
+        <p:nvPicPr>
+          <p:cNvPr id="6" name="Picture 5" descr="A collage of two men&#10;&#10;Description automatically generated">
+            <a:extLst>
+              <a:ext uri="{FF2B5EF4-FFF2-40B4-BE49-F238E27FC236}">
+                <a16:creationId xmlns:a16="http://schemas.microsoft.com/office/drawing/2014/main" id="{BA9B1FC2-0D95-3956-7ADC-03046DE75791}"/>
+              </a:ext>
+            </a:extLst>
+          </p:cNvPr>
+          <p:cNvPicPr>
+            <a:picLocks noChangeAspect="1"/>
+          </p:cNvPicPr>
+          <p:nvPr/>
+        </p:nvPicPr>
+        <p:blipFill>
+          <a:blip r:embed="rId4"/>
+          <a:stretch>
+            <a:fillRect/>
+          </a:stretch>
+        </p:blipFill>
+        <p:spPr>
+          <a:xfrm>
+            <a:off x="8985160" y="69925"/>
+            <a:ext cx="2743200" cy="2725700"/>
           </a:xfrm>
           <a:prstGeom prst="rect">
             <a:avLst/>
@@ -4388,7 +4785,7 @@
           <p:cNvPr id="2" name="Title 1">
             <a:extLst>
               <a:ext uri="{FF2B5EF4-FFF2-40B4-BE49-F238E27FC236}">
-                <a16:creationId xmlns:a16="http://schemas.microsoft.com/office/drawing/2014/main" id="{DA22467A-AC60-10E4-3A72-F640161BABDB}"/>
+                <a16:creationId xmlns:a16="http://schemas.microsoft.com/office/drawing/2014/main" id="{7632B33C-B925-6637-B89B-D5AF599AF3CD}"/>
               </a:ext>
             </a:extLst>
           </p:cNvPr>
@@ -4405,8 +4802,8 @@
           <a:lstStyle/>
           <a:p>
             <a:r>
-              <a:rPr lang="en-US" dirty="0"/>
-              <a:t>Tabs</a:t>
+              <a:rPr lang="en-US"/>
+              <a:t>Reusing prebuilt elements</a:t>
             </a:r>
           </a:p>
         </p:txBody>
@@ -4416,7 +4813,7 @@
           <p:cNvPr id="3" name="Content Placeholder 2">
             <a:extLst>
               <a:ext uri="{FF2B5EF4-FFF2-40B4-BE49-F238E27FC236}">
-                <a16:creationId xmlns:a16="http://schemas.microsoft.com/office/drawing/2014/main" id="{602CCD82-19DA-FC51-1389-4F5DA7FE05A2}"/>
+                <a16:creationId xmlns:a16="http://schemas.microsoft.com/office/drawing/2014/main" id="{8B4FDB48-9B62-9136-5CD4-247F139D28E2}"/>
               </a:ext>
             </a:extLst>
           </p:cNvPr>
@@ -4429,7 +4826,7 @@
         </p:nvSpPr>
         <p:spPr>
           <a:xfrm>
-            <a:off x="1371600" y="1466850"/>
+            <a:off x="1371600" y="1873405"/>
             <a:ext cx="9601200" cy="3581400"/>
           </a:xfrm>
         </p:spPr>
@@ -4438,21 +4835,89 @@
           <a:lstStyle/>
           <a:p>
             <a:r>
-              <a:rPr lang="en-US" dirty="0"/>
-              <a:t>Used to change page content without reloading webpage.</a:t>
-            </a:r>
-          </a:p>
-          <a:p>
-            <a:r>
-              <a:rPr lang="en-US" dirty="0"/>
-              <a:t>HTMX handles the get request</a:t>
-            </a:r>
-          </a:p>
-          <a:p>
-            <a:r>
-              <a:rPr lang="en-US" dirty="0"/>
-              <a:t>Flask loads content </a:t>
-            </a:r>
+              <a:rPr lang="en-US"/>
+              <a:t>One of the benefits of NodeJS was that you could build an element once and reuse it as many times as you needed</a:t>
+            </a:r>
+          </a:p>
+          <a:p>
+            <a:r>
+              <a:rPr lang="en-US"/>
+              <a:t>HTMX offers a way to do that, but with </a:t>
+            </a:r>
+            <a:r>
+              <a:rPr lang="en-US" err="1"/>
+              <a:t>HyperMedia</a:t>
+            </a:r>
+            <a:endParaRPr lang="en-US"/>
+          </a:p>
+          <a:p>
+            <a:r>
+              <a:rPr lang="en-US"/>
+              <a:t>You create an element in HTML and then use a div with </a:t>
+            </a:r>
+            <a:r>
+              <a:rPr lang="en-US" err="1"/>
+              <a:t>hx</a:t>
+            </a:r>
+            <a:r>
+              <a:rPr lang="en-US"/>
+              <a:t>-get to retrieve your element</a:t>
+            </a:r>
+          </a:p>
+          <a:p>
+            <a:r>
+              <a:rPr lang="en-US"/>
+              <a:t>Use </a:t>
+            </a:r>
+            <a:r>
+              <a:rPr lang="en-US" err="1"/>
+              <a:t>hx</a:t>
+            </a:r>
+            <a:r>
+              <a:rPr lang="en-US"/>
+              <a:t>-trigger=“load” to issue the GET request when the page loads</a:t>
+            </a:r>
+          </a:p>
+          <a:p>
+            <a:r>
+              <a:rPr lang="en-US"/>
+              <a:t>Use </a:t>
+            </a:r>
+            <a:r>
+              <a:rPr lang="en-US" err="1"/>
+              <a:t>hx</a:t>
+            </a:r>
+            <a:r>
+              <a:rPr lang="en-US"/>
+              <a:t>-swap=“</a:t>
+            </a:r>
+            <a:r>
+              <a:rPr lang="en-US" err="1"/>
+              <a:t>outerHTML</a:t>
+            </a:r>
+            <a:r>
+              <a:rPr lang="en-US"/>
+              <a:t>” to replace the existing div with</a:t>
+            </a:r>
+            <a:br>
+              <a:rPr lang="en-US"/>
+            </a:br>
+            <a:r>
+              <a:rPr lang="en-US"/>
+              <a:t>the response</a:t>
+            </a:r>
+          </a:p>
+          <a:p>
+            <a:r>
+              <a:rPr lang="en-US"/>
+              <a:t>”?page=home” is how we specified what page should be active in top nav</a:t>
+            </a:r>
+          </a:p>
+          <a:p>
+            <a:pPr marL="0" indent="0">
+              <a:buNone/>
+            </a:pPr>
+            <a:endParaRPr lang="en-US"/>
           </a:p>
         </p:txBody>
       </p:sp>
@@ -4461,7 +4926,7 @@
           <p:cNvPr id="7" name="Picture 6">
             <a:extLst>
               <a:ext uri="{FF2B5EF4-FFF2-40B4-BE49-F238E27FC236}">
-                <a16:creationId xmlns:a16="http://schemas.microsoft.com/office/drawing/2014/main" id="{9961C5C3-3527-EC23-C418-D2082ED5CC72}"/>
+                <a16:creationId xmlns:a16="http://schemas.microsoft.com/office/drawing/2014/main" id="{C671BB59-59F8-1588-5619-0F22D45A512E}"/>
               </a:ext>
             </a:extLst>
           </p:cNvPr>
@@ -4478,8 +4943,8 @@
         </p:blipFill>
         <p:spPr>
           <a:xfrm>
-            <a:off x="943583" y="3067232"/>
-            <a:ext cx="9283430" cy="3314518"/>
+            <a:off x="2213517" y="6358751"/>
+            <a:ext cx="6959600" cy="266700"/>
           </a:xfrm>
           <a:prstGeom prst="rect">
             <a:avLst/>
@@ -4488,10 +4953,10 @@
       </p:pic>
       <p:pic>
         <p:nvPicPr>
-          <p:cNvPr id="5" name="Picture 4">
+          <p:cNvPr id="4" name="Picture 3">
             <a:extLst>
               <a:ext uri="{FF2B5EF4-FFF2-40B4-BE49-F238E27FC236}">
-                <a16:creationId xmlns:a16="http://schemas.microsoft.com/office/drawing/2014/main" id="{37451800-B6A1-60D3-DC06-9307AB5ADB97}"/>
+                <a16:creationId xmlns:a16="http://schemas.microsoft.com/office/drawing/2014/main" id="{FDB7848C-A3F3-CCEC-3DEF-820BF05B7F39}"/>
               </a:ext>
             </a:extLst>
           </p:cNvPr>
@@ -4508,38 +4973,8 @@
         </p:blipFill>
         <p:spPr>
           <a:xfrm>
-            <a:off x="6663447" y="2051592"/>
-            <a:ext cx="4872471" cy="901158"/>
-          </a:xfrm>
-          <a:prstGeom prst="rect">
-            <a:avLst/>
-          </a:prstGeom>
-        </p:spPr>
-      </p:pic>
-      <p:pic>
-        <p:nvPicPr>
-          <p:cNvPr id="8" name="Picture 7">
-            <a:extLst>
-              <a:ext uri="{FF2B5EF4-FFF2-40B4-BE49-F238E27FC236}">
-                <a16:creationId xmlns:a16="http://schemas.microsoft.com/office/drawing/2014/main" id="{305E2DB4-2B8E-FBD7-7797-BF502BF62075}"/>
-              </a:ext>
-            </a:extLst>
-          </p:cNvPr>
-          <p:cNvPicPr>
-            <a:picLocks noChangeAspect="1"/>
-          </p:cNvPicPr>
-          <p:nvPr/>
-        </p:nvPicPr>
-        <p:blipFill>
-          <a:blip r:embed="rId4"/>
-          <a:stretch>
-            <a:fillRect/>
-          </a:stretch>
-        </p:blipFill>
-        <p:spPr>
-          <a:xfrm>
-            <a:off x="6778456" y="4625786"/>
-            <a:ext cx="5249237" cy="2078557"/>
+            <a:off x="1807117" y="5752405"/>
+            <a:ext cx="7772400" cy="200255"/>
           </a:xfrm>
           <a:prstGeom prst="rect">
             <a:avLst/>
@@ -4549,7 +4984,7 @@
     </p:spTree>
     <p:extLst>
       <p:ext uri="{BB962C8B-B14F-4D97-AF65-F5344CB8AC3E}">
-        <p14:creationId xmlns:p14="http://schemas.microsoft.com/office/powerpoint/2010/main" val="3213340087"/>
+        <p14:creationId xmlns:p14="http://schemas.microsoft.com/office/powerpoint/2010/main" val="1049184227"/>
       </p:ext>
     </p:extLst>
   </p:cSld>
@@ -4581,7 +5016,7 @@
           <p:cNvPr id="2" name="Title 1">
             <a:extLst>
               <a:ext uri="{FF2B5EF4-FFF2-40B4-BE49-F238E27FC236}">
-                <a16:creationId xmlns:a16="http://schemas.microsoft.com/office/drawing/2014/main" id="{6D636077-0A6E-5E71-A6CD-EBB051508B35}"/>
+                <a16:creationId xmlns:a16="http://schemas.microsoft.com/office/drawing/2014/main" id="{DA22467A-AC60-10E4-3A72-F640161BABDB}"/>
               </a:ext>
             </a:extLst>
           </p:cNvPr>
@@ -4598,8 +5033,8 @@
           <a:lstStyle/>
           <a:p>
             <a:r>
-              <a:rPr lang="en-US" dirty="0"/>
-              <a:t>Confirmation</a:t>
+              <a:rPr lang="en-US"/>
+              <a:t>Tabs</a:t>
             </a:r>
           </a:p>
         </p:txBody>
@@ -4609,7 +5044,7 @@
           <p:cNvPr id="3" name="Content Placeholder 2">
             <a:extLst>
               <a:ext uri="{FF2B5EF4-FFF2-40B4-BE49-F238E27FC236}">
-                <a16:creationId xmlns:a16="http://schemas.microsoft.com/office/drawing/2014/main" id="{6DDF676A-940C-13E0-F30A-AE486FA7D813}"/>
+                <a16:creationId xmlns:a16="http://schemas.microsoft.com/office/drawing/2014/main" id="{602CCD82-19DA-FC51-1389-4F5DA7FE05A2}"/>
               </a:ext>
             </a:extLst>
           </p:cNvPr>
@@ -4620,32 +5055,41 @@
             <p:ph idx="1"/>
           </p:nvPr>
         </p:nvSpPr>
-        <p:spPr/>
+        <p:spPr>
+          <a:xfrm>
+            <a:off x="1371600" y="1466850"/>
+            <a:ext cx="9601200" cy="3581400"/>
+          </a:xfrm>
+        </p:spPr>
         <p:txBody>
           <a:bodyPr/>
           <a:lstStyle/>
           <a:p>
             <a:r>
-              <a:rPr lang="en-US" dirty="0"/>
-              <a:t>Uses the </a:t>
-            </a:r>
-            <a:r>
-              <a:rPr lang="en-US" dirty="0" err="1"/>
-              <a:t>hx</a:t>
-            </a:r>
-            <a:r>
-              <a:rPr lang="en-US" dirty="0"/>
-              <a:t>-trigger to trigger a JavaScript confirmation pop-up</a:t>
+              <a:rPr lang="en-US"/>
+              <a:t>Used to change page content without reloading webpage.</a:t>
+            </a:r>
+          </a:p>
+          <a:p>
+            <a:r>
+              <a:rPr lang="en-US"/>
+              <a:t>HTMX handles the get request</a:t>
+            </a:r>
+          </a:p>
+          <a:p>
+            <a:r>
+              <a:rPr lang="en-US"/>
+              <a:t>Flask loads content </a:t>
             </a:r>
           </a:p>
         </p:txBody>
       </p:sp>
       <p:pic>
         <p:nvPicPr>
-          <p:cNvPr id="5" name="Picture 4">
+          <p:cNvPr id="7" name="Picture 6">
             <a:extLst>
               <a:ext uri="{FF2B5EF4-FFF2-40B4-BE49-F238E27FC236}">
-                <a16:creationId xmlns:a16="http://schemas.microsoft.com/office/drawing/2014/main" id="{3162DAF2-21EF-B05E-6B3C-0A8C01ADA84A}"/>
+                <a16:creationId xmlns:a16="http://schemas.microsoft.com/office/drawing/2014/main" id="{9961C5C3-3527-EC23-C418-D2082ED5CC72}"/>
               </a:ext>
             </a:extLst>
           </p:cNvPr>
@@ -4662,8 +5106,8 @@
         </p:blipFill>
         <p:spPr>
           <a:xfrm>
-            <a:off x="806126" y="3589506"/>
-            <a:ext cx="11171561" cy="1890869"/>
+            <a:off x="943583" y="3067232"/>
+            <a:ext cx="9283430" cy="3314518"/>
           </a:xfrm>
           <a:prstGeom prst="rect">
             <a:avLst/>
@@ -4672,10 +5116,10 @@
       </p:pic>
       <p:pic>
         <p:nvPicPr>
-          <p:cNvPr id="7" name="Picture 6">
+          <p:cNvPr id="5" name="Picture 4">
             <a:extLst>
               <a:ext uri="{FF2B5EF4-FFF2-40B4-BE49-F238E27FC236}">
-                <a16:creationId xmlns:a16="http://schemas.microsoft.com/office/drawing/2014/main" id="{1AA99089-244B-8859-249B-3851F3F40AF3}"/>
+                <a16:creationId xmlns:a16="http://schemas.microsoft.com/office/drawing/2014/main" id="{37451800-B6A1-60D3-DC06-9307AB5ADB97}"/>
               </a:ext>
             </a:extLst>
           </p:cNvPr>
@@ -4692,8 +5136,38 @@
         </p:blipFill>
         <p:spPr>
           <a:xfrm>
-            <a:off x="6615112" y="133350"/>
-            <a:ext cx="5362575" cy="2038350"/>
+            <a:off x="6663447" y="2051592"/>
+            <a:ext cx="4872471" cy="901158"/>
+          </a:xfrm>
+          <a:prstGeom prst="rect">
+            <a:avLst/>
+          </a:prstGeom>
+        </p:spPr>
+      </p:pic>
+      <p:pic>
+        <p:nvPicPr>
+          <p:cNvPr id="8" name="Picture 7">
+            <a:extLst>
+              <a:ext uri="{FF2B5EF4-FFF2-40B4-BE49-F238E27FC236}">
+                <a16:creationId xmlns:a16="http://schemas.microsoft.com/office/drawing/2014/main" id="{305E2DB4-2B8E-FBD7-7797-BF502BF62075}"/>
+              </a:ext>
+            </a:extLst>
+          </p:cNvPr>
+          <p:cNvPicPr>
+            <a:picLocks noChangeAspect="1"/>
+          </p:cNvPicPr>
+          <p:nvPr/>
+        </p:nvPicPr>
+        <p:blipFill>
+          <a:blip r:embed="rId4"/>
+          <a:stretch>
+            <a:fillRect/>
+          </a:stretch>
+        </p:blipFill>
+        <p:spPr>
+          <a:xfrm>
+            <a:off x="6778456" y="4625786"/>
+            <a:ext cx="5249237" cy="2078557"/>
           </a:xfrm>
           <a:prstGeom prst="rect">
             <a:avLst/>
@@ -4703,7 +5177,7 @@
     </p:spTree>
     <p:extLst>
       <p:ext uri="{BB962C8B-B14F-4D97-AF65-F5344CB8AC3E}">
-        <p14:creationId xmlns:p14="http://schemas.microsoft.com/office/powerpoint/2010/main" val="30273476"/>
+        <p14:creationId xmlns:p14="http://schemas.microsoft.com/office/powerpoint/2010/main" val="3213340087"/>
       </p:ext>
     </p:extLst>
   </p:cSld>
@@ -4735,7 +5209,7 @@
           <p:cNvPr id="2" name="Title 1">
             <a:extLst>
               <a:ext uri="{FF2B5EF4-FFF2-40B4-BE49-F238E27FC236}">
-                <a16:creationId xmlns:a16="http://schemas.microsoft.com/office/drawing/2014/main" id="{7632B33C-B925-6637-B89B-D5AF599AF3CD}"/>
+                <a16:creationId xmlns:a16="http://schemas.microsoft.com/office/drawing/2014/main" id="{6D636077-0A6E-5E71-A6CD-EBB051508B35}"/>
               </a:ext>
             </a:extLst>
           </p:cNvPr>
@@ -4752,16 +5226,8 @@
           <a:lstStyle/>
           <a:p>
             <a:r>
-              <a:rPr lang="en-US" dirty="0"/>
-              <a:t>What it do </a:t>
-            </a:r>
-            <a:r>
-              <a:rPr lang="en-US" dirty="0" err="1"/>
-              <a:t>tho</a:t>
-            </a:r>
-            <a:r>
-              <a:rPr lang="en-US"/>
-              <a:t>?</a:t>
+              <a:rPr lang="en-US"/>
+              <a:t>Confirmation</a:t>
             </a:r>
           </a:p>
         </p:txBody>
@@ -4771,7 +5237,7 @@
           <p:cNvPr id="3" name="Content Placeholder 2">
             <a:extLst>
               <a:ext uri="{FF2B5EF4-FFF2-40B4-BE49-F238E27FC236}">
-                <a16:creationId xmlns:a16="http://schemas.microsoft.com/office/drawing/2014/main" id="{8B4FDB48-9B62-9136-5CD4-247F139D28E2}"/>
+                <a16:creationId xmlns:a16="http://schemas.microsoft.com/office/drawing/2014/main" id="{6DDF676A-940C-13E0-F30A-AE486FA7D813}"/>
               </a:ext>
             </a:extLst>
           </p:cNvPr>
@@ -4784,17 +5250,566 @@
         </p:nvSpPr>
         <p:spPr/>
         <p:txBody>
-          <a:bodyPr/>
+          <a:bodyPr vert="horz" lIns="91440" tIns="45720" rIns="91440" bIns="45720" rtlCol="0" anchor="t">
+            <a:normAutofit/>
+          </a:bodyPr>
           <a:lstStyle/>
           <a:p>
-            <a:endParaRPr lang="en-US"/>
-          </a:p>
-        </p:txBody>
-      </p:sp>
+            <a:pPr marL="383540" indent="-383540"/>
+            <a:r>
+              <a:rPr lang="en-US"/>
+              <a:t>Uses the </a:t>
+            </a:r>
+            <a:r>
+              <a:rPr lang="en-US" err="1"/>
+              <a:t>hx</a:t>
+            </a:r>
+            <a:r>
+              <a:rPr lang="en-US"/>
+              <a:t>-trigger to trigger a JavaScript confirmation pop-up</a:t>
+            </a:r>
+          </a:p>
+          <a:p>
+            <a:pPr marL="383540" indent="-383540"/>
+            <a:r>
+              <a:rPr lang="en-US"/>
+              <a:t>The </a:t>
+            </a:r>
+            <a:r>
+              <a:rPr lang="en-US" err="1"/>
+              <a:t>hx</a:t>
+            </a:r>
+            <a:r>
+              <a:rPr lang="en-US"/>
+              <a:t>-get isn't in use but if we wanted the backend to perform an action after it was pressed we would create the get route in the app.py file.</a:t>
+            </a:r>
+          </a:p>
+        </p:txBody>
+      </p:sp>
+      <p:pic>
+        <p:nvPicPr>
+          <p:cNvPr id="5" name="Picture 4">
+            <a:extLst>
+              <a:ext uri="{FF2B5EF4-FFF2-40B4-BE49-F238E27FC236}">
+                <a16:creationId xmlns:a16="http://schemas.microsoft.com/office/drawing/2014/main" id="{3162DAF2-21EF-B05E-6B3C-0A8C01ADA84A}"/>
+              </a:ext>
+            </a:extLst>
+          </p:cNvPr>
+          <p:cNvPicPr>
+            <a:picLocks noChangeAspect="1"/>
+          </p:cNvPicPr>
+          <p:nvPr/>
+        </p:nvPicPr>
+        <p:blipFill>
+          <a:blip r:embed="rId2"/>
+          <a:stretch>
+            <a:fillRect/>
+          </a:stretch>
+        </p:blipFill>
+        <p:spPr>
+          <a:xfrm>
+            <a:off x="806126" y="3589506"/>
+            <a:ext cx="8314061" cy="1404036"/>
+          </a:xfrm>
+          <a:prstGeom prst="rect">
+            <a:avLst/>
+          </a:prstGeom>
+        </p:spPr>
+      </p:pic>
+      <p:pic>
+        <p:nvPicPr>
+          <p:cNvPr id="7" name="Picture 6">
+            <a:extLst>
+              <a:ext uri="{FF2B5EF4-FFF2-40B4-BE49-F238E27FC236}">
+                <a16:creationId xmlns:a16="http://schemas.microsoft.com/office/drawing/2014/main" id="{1AA99089-244B-8859-249B-3851F3F40AF3}"/>
+              </a:ext>
+            </a:extLst>
+          </p:cNvPr>
+          <p:cNvPicPr>
+            <a:picLocks noChangeAspect="1"/>
+          </p:cNvPicPr>
+          <p:nvPr/>
+        </p:nvPicPr>
+        <p:blipFill>
+          <a:blip r:embed="rId3"/>
+          <a:stretch>
+            <a:fillRect/>
+          </a:stretch>
+        </p:blipFill>
+        <p:spPr>
+          <a:xfrm>
+            <a:off x="6615112" y="133350"/>
+            <a:ext cx="5362575" cy="2038350"/>
+          </a:xfrm>
+          <a:prstGeom prst="rect">
+            <a:avLst/>
+          </a:prstGeom>
+        </p:spPr>
+      </p:pic>
     </p:spTree>
     <p:extLst>
       <p:ext uri="{BB962C8B-B14F-4D97-AF65-F5344CB8AC3E}">
-        <p14:creationId xmlns:p14="http://schemas.microsoft.com/office/powerpoint/2010/main" val="1049184227"/>
+        <p14:creationId xmlns:p14="http://schemas.microsoft.com/office/powerpoint/2010/main" val="30273476"/>
+      </p:ext>
+    </p:extLst>
+  </p:cSld>
+  <p:clrMapOvr>
+    <a:masterClrMapping/>
+  </p:clrMapOvr>
+</p:sld>
+</file>
+
+<file path=ppt/slides/slide7.xml><?xml version="1.0" encoding="utf-8"?>
+<p:sld xmlns:a="http://schemas.openxmlformats.org/drawingml/2006/main" xmlns:r="http://schemas.openxmlformats.org/officeDocument/2006/relationships" xmlns:p="http://schemas.openxmlformats.org/presentationml/2006/main">
+  <p:cSld>
+    <p:spTree>
+      <p:nvGrpSpPr>
+        <p:cNvPr id="1" name=""/>
+        <p:cNvGrpSpPr/>
+        <p:nvPr/>
+      </p:nvGrpSpPr>
+      <p:grpSpPr>
+        <a:xfrm>
+          <a:off x="0" y="0"/>
+          <a:ext cx="0" cy="0"/>
+          <a:chOff x="0" y="0"/>
+          <a:chExt cx="0" cy="0"/>
+        </a:xfrm>
+      </p:grpSpPr>
+      <p:sp>
+        <p:nvSpPr>
+          <p:cNvPr id="2" name="Title 1">
+            <a:extLst>
+              <a:ext uri="{FF2B5EF4-FFF2-40B4-BE49-F238E27FC236}">
+                <a16:creationId xmlns:a16="http://schemas.microsoft.com/office/drawing/2014/main" id="{0D6B8184-6568-6312-A4ED-00808EE31E75}"/>
+              </a:ext>
+            </a:extLst>
+          </p:cNvPr>
+          <p:cNvSpPr>
+            <a:spLocks noGrp="1"/>
+          </p:cNvSpPr>
+          <p:nvPr>
+            <p:ph type="title"/>
+          </p:nvPr>
+        </p:nvSpPr>
+        <p:spPr/>
+        <p:txBody>
+          <a:bodyPr/>
+          <a:lstStyle/>
+          <a:p>
+            <a:r>
+              <a:rPr lang="en-US"/>
+              <a:t>Search with HTMX</a:t>
+            </a:r>
+          </a:p>
+        </p:txBody>
+      </p:sp>
+      <p:sp>
+        <p:nvSpPr>
+          <p:cNvPr id="3" name="Content Placeholder 2">
+            <a:extLst>
+              <a:ext uri="{FF2B5EF4-FFF2-40B4-BE49-F238E27FC236}">
+                <a16:creationId xmlns:a16="http://schemas.microsoft.com/office/drawing/2014/main" id="{5B5C4658-585F-B08A-5E48-73686DB0A98B}"/>
+              </a:ext>
+            </a:extLst>
+          </p:cNvPr>
+          <p:cNvSpPr>
+            <a:spLocks noGrp="1"/>
+          </p:cNvSpPr>
+          <p:nvPr>
+            <p:ph idx="1"/>
+          </p:nvPr>
+        </p:nvSpPr>
+        <p:spPr/>
+        <p:txBody>
+          <a:bodyPr/>
+          <a:lstStyle/>
+          <a:p>
+            <a:r>
+              <a:rPr lang="en-US">
+                <a:effectLst/>
+                <a:latin typeface="Helvetica" pitchFamily="2" charset="0"/>
+              </a:rPr>
+              <a:t>Search issues a GET request to the flask server with the search parameters</a:t>
+            </a:r>
+          </a:p>
+          <a:p>
+            <a:r>
+              <a:rPr lang="en-US" err="1">
+                <a:latin typeface="Helvetica" pitchFamily="2" charset="0"/>
+              </a:rPr>
+              <a:t>hx</a:t>
+            </a:r>
+            <a:r>
+              <a:rPr lang="en-US">
+                <a:latin typeface="Helvetica" pitchFamily="2" charset="0"/>
+              </a:rPr>
+              <a:t>-target=“#results” specifies where to put the response</a:t>
+            </a:r>
+          </a:p>
+          <a:p>
+            <a:r>
+              <a:rPr lang="en-US">
+                <a:latin typeface="Helvetica" pitchFamily="2" charset="0"/>
+              </a:rPr>
+              <a:t>Our a</a:t>
+            </a:r>
+            <a:r>
+              <a:rPr lang="en-US">
+                <a:effectLst/>
+                <a:latin typeface="Helvetica" pitchFamily="2" charset="0"/>
+              </a:rPr>
+              <a:t>ctive search uses </a:t>
+            </a:r>
+            <a:r>
+              <a:rPr lang="en-US">
+                <a:latin typeface="Helvetica" pitchFamily="2" charset="0"/>
+              </a:rPr>
+              <a:t>a simple &lt;input&gt; tag</a:t>
+            </a:r>
+            <a:r>
+              <a:rPr lang="en-US">
+                <a:effectLst/>
+                <a:latin typeface="Helvetica" pitchFamily="2" charset="0"/>
+              </a:rPr>
+              <a:t> and returns the value in the input field</a:t>
+            </a:r>
+          </a:p>
+          <a:p>
+            <a:r>
+              <a:rPr lang="en-US">
+                <a:effectLst/>
+                <a:latin typeface="Helvetica" pitchFamily="2" charset="0"/>
+              </a:rPr>
+              <a:t>Our filtered search uses a &lt;form&gt; tag and the parameters to return are specified with </a:t>
+            </a:r>
+            <a:r>
+              <a:rPr lang="en-US" err="1">
+                <a:effectLst/>
+                <a:latin typeface="Helvetica" pitchFamily="2" charset="0"/>
+              </a:rPr>
+              <a:t>hx-parms</a:t>
+            </a:r>
+            <a:r>
+              <a:rPr lang="en-US">
+                <a:latin typeface="Helvetica" pitchFamily="2" charset="0"/>
+              </a:rPr>
+              <a:t> and pulled from input fields within the form</a:t>
+            </a:r>
+            <a:endParaRPr lang="en-US">
+              <a:effectLst/>
+              <a:latin typeface="Helvetica" pitchFamily="2" charset="0"/>
+            </a:endParaRPr>
+          </a:p>
+          <a:p>
+            <a:endParaRPr lang="en-US"/>
+          </a:p>
+        </p:txBody>
+      </p:sp>
+      <p:pic>
+        <p:nvPicPr>
+          <p:cNvPr id="6" name="Picture 5">
+            <a:extLst>
+              <a:ext uri="{FF2B5EF4-FFF2-40B4-BE49-F238E27FC236}">
+                <a16:creationId xmlns:a16="http://schemas.microsoft.com/office/drawing/2014/main" id="{0D571E70-FE6F-84D1-57DD-740F5E3762AF}"/>
+              </a:ext>
+            </a:extLst>
+          </p:cNvPr>
+          <p:cNvPicPr>
+            <a:picLocks noChangeAspect="1"/>
+          </p:cNvPicPr>
+          <p:nvPr/>
+        </p:nvPicPr>
+        <p:blipFill>
+          <a:blip r:embed="rId2"/>
+          <a:stretch>
+            <a:fillRect/>
+          </a:stretch>
+        </p:blipFill>
+        <p:spPr>
+          <a:xfrm>
+            <a:off x="1015596" y="4876703"/>
+            <a:ext cx="10969401" cy="212899"/>
+          </a:xfrm>
+          <a:prstGeom prst="rect">
+            <a:avLst/>
+          </a:prstGeom>
+        </p:spPr>
+      </p:pic>
+      <p:pic>
+        <p:nvPicPr>
+          <p:cNvPr id="9" name="Picture 8">
+            <a:extLst>
+              <a:ext uri="{FF2B5EF4-FFF2-40B4-BE49-F238E27FC236}">
+                <a16:creationId xmlns:a16="http://schemas.microsoft.com/office/drawing/2014/main" id="{FE4C4E39-B13B-2E58-9EB4-4701E2935DEF}"/>
+              </a:ext>
+            </a:extLst>
+          </p:cNvPr>
+          <p:cNvPicPr>
+            <a:picLocks noChangeAspect="1"/>
+          </p:cNvPicPr>
+          <p:nvPr/>
+        </p:nvPicPr>
+        <p:blipFill>
+          <a:blip r:embed="rId3"/>
+          <a:stretch>
+            <a:fillRect/>
+          </a:stretch>
+        </p:blipFill>
+        <p:spPr>
+          <a:xfrm>
+            <a:off x="901362" y="5450221"/>
+            <a:ext cx="11197870" cy="266039"/>
+          </a:xfrm>
+          <a:prstGeom prst="rect">
+            <a:avLst/>
+          </a:prstGeom>
+        </p:spPr>
+      </p:pic>
+      <p:pic>
+        <p:nvPicPr>
+          <p:cNvPr id="10" name="Picture 9">
+            <a:extLst>
+              <a:ext uri="{FF2B5EF4-FFF2-40B4-BE49-F238E27FC236}">
+                <a16:creationId xmlns:a16="http://schemas.microsoft.com/office/drawing/2014/main" id="{44CA9663-7BFE-3E68-51E8-F1CA83CE82AD}"/>
+              </a:ext>
+            </a:extLst>
+          </p:cNvPr>
+          <p:cNvPicPr>
+            <a:picLocks noChangeAspect="1"/>
+          </p:cNvPicPr>
+          <p:nvPr/>
+        </p:nvPicPr>
+        <p:blipFill>
+          <a:blip r:embed="rId4"/>
+          <a:stretch>
+            <a:fillRect/>
+          </a:stretch>
+        </p:blipFill>
+        <p:spPr>
+          <a:xfrm>
+            <a:off x="6500296" y="317500"/>
+            <a:ext cx="2908300" cy="673100"/>
+          </a:xfrm>
+          <a:prstGeom prst="rect">
+            <a:avLst/>
+          </a:prstGeom>
+        </p:spPr>
+      </p:pic>
+      <p:pic>
+        <p:nvPicPr>
+          <p:cNvPr id="11" name="Picture 10">
+            <a:extLst>
+              <a:ext uri="{FF2B5EF4-FFF2-40B4-BE49-F238E27FC236}">
+                <a16:creationId xmlns:a16="http://schemas.microsoft.com/office/drawing/2014/main" id="{07362457-96DD-6594-2229-73F5F19B1FEE}"/>
+              </a:ext>
+            </a:extLst>
+          </p:cNvPr>
+          <p:cNvPicPr>
+            <a:picLocks noChangeAspect="1"/>
+          </p:cNvPicPr>
+          <p:nvPr/>
+        </p:nvPicPr>
+        <p:blipFill>
+          <a:blip r:embed="rId5"/>
+          <a:stretch>
+            <a:fillRect/>
+          </a:stretch>
+        </p:blipFill>
+        <p:spPr>
+          <a:xfrm>
+            <a:off x="7341671" y="990600"/>
+            <a:ext cx="4133850" cy="1053726"/>
+          </a:xfrm>
+          <a:prstGeom prst="rect">
+            <a:avLst/>
+          </a:prstGeom>
+        </p:spPr>
+      </p:pic>
+    </p:spTree>
+    <p:extLst>
+      <p:ext uri="{BB962C8B-B14F-4D97-AF65-F5344CB8AC3E}">
+        <p14:creationId xmlns:p14="http://schemas.microsoft.com/office/powerpoint/2010/main" val="3794790664"/>
+      </p:ext>
+    </p:extLst>
+  </p:cSld>
+  <p:clrMapOvr>
+    <a:masterClrMapping/>
+  </p:clrMapOvr>
+</p:sld>
+</file>
+
+<file path=ppt/slides/slide8.xml><?xml version="1.0" encoding="utf-8"?>
+<p:sld xmlns:a="http://schemas.openxmlformats.org/drawingml/2006/main" xmlns:r="http://schemas.openxmlformats.org/officeDocument/2006/relationships" xmlns:p="http://schemas.openxmlformats.org/presentationml/2006/main">
+  <p:cSld>
+    <p:spTree>
+      <p:nvGrpSpPr>
+        <p:cNvPr id="1" name=""/>
+        <p:cNvGrpSpPr/>
+        <p:nvPr/>
+      </p:nvGrpSpPr>
+      <p:grpSpPr>
+        <a:xfrm>
+          <a:off x="0" y="0"/>
+          <a:ext cx="0" cy="0"/>
+          <a:chOff x="0" y="0"/>
+          <a:chExt cx="0" cy="0"/>
+        </a:xfrm>
+      </p:grpSpPr>
+      <p:sp>
+        <p:nvSpPr>
+          <p:cNvPr id="2" name="Title 1">
+            <a:extLst>
+              <a:ext uri="{FF2B5EF4-FFF2-40B4-BE49-F238E27FC236}">
+                <a16:creationId xmlns:a16="http://schemas.microsoft.com/office/drawing/2014/main" id="{BF992D0A-15DD-545D-6123-BB0C01EDF97A}"/>
+              </a:ext>
+            </a:extLst>
+          </p:cNvPr>
+          <p:cNvSpPr>
+            <a:spLocks noGrp="1"/>
+          </p:cNvSpPr>
+          <p:nvPr>
+            <p:ph type="title"/>
+          </p:nvPr>
+        </p:nvSpPr>
+        <p:spPr/>
+        <p:txBody>
+          <a:bodyPr/>
+          <a:lstStyle/>
+          <a:p>
+            <a:r>
+              <a:rPr lang="en-US"/>
+              <a:t>The Store Page (/store)</a:t>
+            </a:r>
+          </a:p>
+        </p:txBody>
+      </p:sp>
+      <p:sp>
+        <p:nvSpPr>
+          <p:cNvPr id="3" name="Content Placeholder 2">
+            <a:extLst>
+              <a:ext uri="{FF2B5EF4-FFF2-40B4-BE49-F238E27FC236}">
+                <a16:creationId xmlns:a16="http://schemas.microsoft.com/office/drawing/2014/main" id="{294FDA61-7FE6-1A0D-CF07-9BB58D81CC7B}"/>
+              </a:ext>
+            </a:extLst>
+          </p:cNvPr>
+          <p:cNvSpPr>
+            <a:spLocks noGrp="1"/>
+          </p:cNvSpPr>
+          <p:nvPr>
+            <p:ph idx="1"/>
+          </p:nvPr>
+        </p:nvSpPr>
+        <p:spPr/>
+        <p:txBody>
+          <a:bodyPr>
+            <a:normAutofit/>
+          </a:bodyPr>
+          <a:lstStyle/>
+          <a:p>
+            <a:r>
+              <a:rPr lang="en-US"/>
+              <a:t>Uses same store template and URL for all pages</a:t>
+            </a:r>
+          </a:p>
+          <a:p>
+            <a:r>
+              <a:rPr lang="en-US"/>
+              <a:t>HTMX uses a GET request to retrieve a sub-page that is specified by our flask server</a:t>
+            </a:r>
+          </a:p>
+          <a:p>
+            <a:r>
+              <a:rPr lang="en-US"/>
+              <a:t>That sub-page depends on if there is a product id in the URL and if that id is valid </a:t>
+            </a:r>
+          </a:p>
+          <a:p>
+            <a:r>
+              <a:rPr lang="en-US"/>
+              <a:t>The sub-pages available: Active search, filtered search, product page, product not found page</a:t>
+            </a:r>
+          </a:p>
+          <a:p>
+            <a:endParaRPr lang="en-US"/>
+          </a:p>
+          <a:p>
+            <a:r>
+              <a:rPr lang="en-US"/>
+              <a:t>Active search has a button that retrieves and replaces itself with filtered search and vice versa</a:t>
+            </a:r>
+          </a:p>
+        </p:txBody>
+      </p:sp>
+    </p:spTree>
+    <p:extLst>
+      <p:ext uri="{BB962C8B-B14F-4D97-AF65-F5344CB8AC3E}">
+        <p14:creationId xmlns:p14="http://schemas.microsoft.com/office/powerpoint/2010/main" val="2444037556"/>
+      </p:ext>
+    </p:extLst>
+  </p:cSld>
+  <p:clrMapOvr>
+    <a:masterClrMapping/>
+  </p:clrMapOvr>
+</p:sld>
+</file>
+
+<file path=ppt/slides/slide9.xml><?xml version="1.0" encoding="utf-8"?>
+<p:sld xmlns:a="http://schemas.openxmlformats.org/drawingml/2006/main" xmlns:r="http://schemas.openxmlformats.org/officeDocument/2006/relationships" xmlns:p="http://schemas.openxmlformats.org/presentationml/2006/main">
+  <p:cSld>
+    <p:spTree>
+      <p:nvGrpSpPr>
+        <p:cNvPr id="1" name=""/>
+        <p:cNvGrpSpPr/>
+        <p:nvPr/>
+      </p:nvGrpSpPr>
+      <p:grpSpPr>
+        <a:xfrm>
+          <a:off x="0" y="0"/>
+          <a:ext cx="0" cy="0"/>
+          <a:chOff x="0" y="0"/>
+          <a:chExt cx="0" cy="0"/>
+        </a:xfrm>
+      </p:grpSpPr>
+      <p:sp>
+        <p:nvSpPr>
+          <p:cNvPr id="2" name="Title 1">
+            <a:extLst>
+              <a:ext uri="{FF2B5EF4-FFF2-40B4-BE49-F238E27FC236}">
+                <a16:creationId xmlns:a16="http://schemas.microsoft.com/office/drawing/2014/main" id="{344CD834-6DE8-1650-7CAD-B0CDC1A3D7F8}"/>
+              </a:ext>
+            </a:extLst>
+          </p:cNvPr>
+          <p:cNvSpPr>
+            <a:spLocks noGrp="1"/>
+          </p:cNvSpPr>
+          <p:nvPr>
+            <p:ph type="title"/>
+          </p:nvPr>
+        </p:nvSpPr>
+        <p:spPr>
+          <a:xfrm>
+            <a:off x="4901453" y="2680447"/>
+            <a:ext cx="2395818" cy="1485900"/>
+          </a:xfrm>
+        </p:spPr>
+        <p:txBody>
+          <a:bodyPr>
+            <a:normAutofit/>
+          </a:bodyPr>
+          <a:lstStyle/>
+          <a:p>
+            <a:r>
+              <a:rPr lang="en-US" sz="6000"/>
+              <a:t>Demo</a:t>
+            </a:r>
+          </a:p>
+        </p:txBody>
+      </p:sp>
+    </p:spTree>
+    <p:extLst>
+      <p:ext uri="{BB962C8B-B14F-4D97-AF65-F5344CB8AC3E}">
+        <p14:creationId xmlns:p14="http://schemas.microsoft.com/office/powerpoint/2010/main" val="3507538545"/>
       </p:ext>
     </p:extLst>
   </p:cSld>

--- a/Presentation/HTMX.pptx
+++ b/Presentation/HTMX.pptx
@@ -678,7 +678,7 @@
             <a:fld id="{87DE6118-2437-4B30-8E3C-4D2BE6020583}" type="datetimeFigureOut">
               <a:rPr lang="en-US" dirty="0"/>
               <a:pPr/>
-              <a:t>12/8/2023</a:t>
+              <a:t>12/8/23</a:t>
             </a:fld>
             <a:endParaRPr lang="en-US"/>
           </a:p>
@@ -1002,7 +1002,7 @@
           <a:p>
             <a:fld id="{87DE6118-2437-4B30-8E3C-4D2BE6020583}" type="datetimeFigureOut">
               <a:rPr lang="en-US" dirty="0"/>
-              <a:t>12/8/2023</a:t>
+              <a:t>12/8/23</a:t>
             </a:fld>
             <a:endParaRPr lang="en-US"/>
           </a:p>
@@ -1175,7 +1175,7 @@
           <a:p>
             <a:fld id="{87DE6118-2437-4B30-8E3C-4D2BE6020583}" type="datetimeFigureOut">
               <a:rPr lang="en-US" dirty="0"/>
-              <a:t>12/8/2023</a:t>
+              <a:t>12/8/23</a:t>
             </a:fld>
             <a:endParaRPr lang="en-US"/>
           </a:p>
@@ -1338,7 +1338,7 @@
           <a:p>
             <a:fld id="{87DE6118-2437-4B30-8E3C-4D2BE6020583}" type="datetimeFigureOut">
               <a:rPr lang="en-US" dirty="0"/>
-              <a:t>12/8/2023</a:t>
+              <a:t>12/8/23</a:t>
             </a:fld>
             <a:endParaRPr lang="en-US"/>
           </a:p>
@@ -1610,7 +1610,7 @@
             <a:fld id="{87DE6118-2437-4B30-8E3C-4D2BE6020583}" type="datetimeFigureOut">
               <a:rPr lang="en-US" dirty="0"/>
               <a:pPr/>
-              <a:t>12/8/2023</a:t>
+              <a:t>12/8/23</a:t>
             </a:fld>
             <a:endParaRPr lang="en-US"/>
           </a:p>
@@ -1997,7 +1997,7 @@
           <a:p>
             <a:fld id="{87DE6118-2437-4B30-8E3C-4D2BE6020583}" type="datetimeFigureOut">
               <a:rPr lang="en-US" dirty="0"/>
-              <a:t>12/8/2023</a:t>
+              <a:t>12/8/23</a:t>
             </a:fld>
             <a:endParaRPr lang="en-US"/>
           </a:p>
@@ -2466,7 +2466,7 @@
           <a:p>
             <a:fld id="{87DE6118-2437-4B30-8E3C-4D2BE6020583}" type="datetimeFigureOut">
               <a:rPr lang="en-US" dirty="0"/>
-              <a:t>12/8/2023</a:t>
+              <a:t>12/8/23</a:t>
             </a:fld>
             <a:endParaRPr lang="en-US"/>
           </a:p>
@@ -2578,7 +2578,7 @@
           <a:p>
             <a:fld id="{87DE6118-2437-4B30-8E3C-4D2BE6020583}" type="datetimeFigureOut">
               <a:rPr lang="en-US" dirty="0"/>
-              <a:t>12/8/2023</a:t>
+              <a:t>12/8/23</a:t>
             </a:fld>
             <a:endParaRPr lang="en-US"/>
           </a:p>
@@ -2668,7 +2668,7 @@
           <a:p>
             <a:fld id="{87DE6118-2437-4B30-8E3C-4D2BE6020583}" type="datetimeFigureOut">
               <a:rPr lang="en-US" dirty="0"/>
-              <a:t>12/8/2023</a:t>
+              <a:t>12/8/23</a:t>
             </a:fld>
             <a:endParaRPr lang="en-US"/>
           </a:p>
@@ -3008,7 +3008,7 @@
             <a:fld id="{87DE6118-2437-4B30-8E3C-4D2BE6020583}" type="datetimeFigureOut">
               <a:rPr lang="en-US" dirty="0"/>
               <a:pPr/>
-              <a:t>12/8/2023</a:t>
+              <a:t>12/8/23</a:t>
             </a:fld>
             <a:endParaRPr lang="en-US"/>
           </a:p>
@@ -3391,7 +3391,7 @@
             <a:fld id="{87DE6118-2437-4B30-8E3C-4D2BE6020583}" type="datetimeFigureOut">
               <a:rPr lang="en-US" dirty="0"/>
               <a:pPr/>
-              <a:t>12/8/2023</a:t>
+              <a:t>12/8/23</a:t>
             </a:fld>
             <a:endParaRPr lang="en-US"/>
           </a:p>
@@ -3664,7 +3664,7 @@
             <a:fld id="{87DE6118-2437-4B30-8E3C-4D2BE6020583}" type="datetimeFigureOut">
               <a:rPr lang="en-US" dirty="0"/>
               <a:pPr/>
-              <a:t>12/8/2023</a:t>
+              <a:t>12/8/23</a:t>
             </a:fld>
             <a:endParaRPr lang="en-US"/>
           </a:p>
@@ -4835,81 +4835,89 @@
           <a:lstStyle/>
           <a:p>
             <a:r>
-              <a:rPr lang="en-US"/>
-              <a:t>One of the benefits of NodeJS was that you could build an element once and reuse it as many times as you needed</a:t>
-            </a:r>
-          </a:p>
-          <a:p>
-            <a:r>
-              <a:rPr lang="en-US"/>
+              <a:rPr lang="en-US" dirty="0"/>
+              <a:t>One of the benefits of </a:t>
+            </a:r>
+            <a:r>
+              <a:rPr lang="en-US"/>
+              <a:t>NextJS</a:t>
+            </a:r>
+            <a:r>
+              <a:rPr lang="en-US" dirty="0"/>
+              <a:t> was that you could build an element once and reuse it as many times as you needed</a:t>
+            </a:r>
+          </a:p>
+          <a:p>
+            <a:r>
+              <a:rPr lang="en-US" dirty="0"/>
               <a:t>HTMX offers a way to do that, but with </a:t>
             </a:r>
             <a:r>
-              <a:rPr lang="en-US" err="1"/>
+              <a:rPr lang="en-US" dirty="0" err="1"/>
               <a:t>HyperMedia</a:t>
             </a:r>
-            <a:endParaRPr lang="en-US"/>
-          </a:p>
-          <a:p>
-            <a:r>
-              <a:rPr lang="en-US"/>
+            <a:endParaRPr lang="en-US" dirty="0"/>
+          </a:p>
+          <a:p>
+            <a:r>
+              <a:rPr lang="en-US" dirty="0"/>
               <a:t>You create an element in HTML and then use a div with </a:t>
             </a:r>
             <a:r>
-              <a:rPr lang="en-US" err="1"/>
+              <a:rPr lang="en-US" dirty="0" err="1"/>
               <a:t>hx</a:t>
             </a:r>
             <a:r>
-              <a:rPr lang="en-US"/>
+              <a:rPr lang="en-US" dirty="0"/>
               <a:t>-get to retrieve your element</a:t>
             </a:r>
           </a:p>
           <a:p>
             <a:r>
-              <a:rPr lang="en-US"/>
+              <a:rPr lang="en-US" dirty="0"/>
               <a:t>Use </a:t>
             </a:r>
             <a:r>
-              <a:rPr lang="en-US" err="1"/>
+              <a:rPr lang="en-US" dirty="0" err="1"/>
               <a:t>hx</a:t>
             </a:r>
             <a:r>
-              <a:rPr lang="en-US"/>
+              <a:rPr lang="en-US" dirty="0"/>
               <a:t>-trigger=“load” to issue the GET request when the page loads</a:t>
             </a:r>
           </a:p>
           <a:p>
             <a:r>
-              <a:rPr lang="en-US"/>
+              <a:rPr lang="en-US" dirty="0"/>
               <a:t>Use </a:t>
             </a:r>
             <a:r>
-              <a:rPr lang="en-US" err="1"/>
+              <a:rPr lang="en-US" dirty="0" err="1"/>
               <a:t>hx</a:t>
             </a:r>
             <a:r>
-              <a:rPr lang="en-US"/>
+              <a:rPr lang="en-US" dirty="0"/>
               <a:t>-swap=“</a:t>
             </a:r>
             <a:r>
-              <a:rPr lang="en-US" err="1"/>
+              <a:rPr lang="en-US" dirty="0" err="1"/>
               <a:t>outerHTML</a:t>
             </a:r>
             <a:r>
-              <a:rPr lang="en-US"/>
+              <a:rPr lang="en-US" dirty="0"/>
               <a:t>” to replace the existing div with</a:t>
             </a:r>
             <a:br>
-              <a:rPr lang="en-US"/>
+              <a:rPr lang="en-US" dirty="0"/>
             </a:br>
             <a:r>
-              <a:rPr lang="en-US"/>
+              <a:rPr lang="en-US" dirty="0"/>
               <a:t>the response</a:t>
             </a:r>
           </a:p>
           <a:p>
             <a:r>
-              <a:rPr lang="en-US"/>
+              <a:rPr lang="en-US" dirty="0"/>
               <a:t>”?page=home” is how we specified what page should be active in top nav</a:t>
             </a:r>
           </a:p>
@@ -4917,7 +4925,7 @@
             <a:pPr marL="0" indent="0">
               <a:buNone/>
             </a:pPr>
-            <a:endParaRPr lang="en-US"/>
+            <a:endParaRPr lang="en-US" dirty="0"/>
           </a:p>
         </p:txBody>
       </p:sp>
